--- a/scratch-leapmotion/instructions/en/Assignment 1.pptx
+++ b/scratch-leapmotion/instructions/en/Assignment 1.pptx
@@ -1,32 +1,127 @@
 
 <file path=ppt/presentation.xml><?xml version="1.0" encoding="utf-8"?>
-<p:presentation xmlns:a="http://schemas.openxmlformats.org/drawingml/2006/main" xmlns:p="http://schemas.openxmlformats.org/presentationml/2006/main" xmlns:r="http://schemas.openxmlformats.org/officeDocument/2006/relationships">
+<p:presentation xmlns:a="http://schemas.openxmlformats.org/drawingml/2006/main" xmlns:r="http://schemas.openxmlformats.org/officeDocument/2006/relationships" xmlns:p="http://schemas.openxmlformats.org/presentationml/2006/main">
   <p:sldMasterIdLst>
-    <p:sldMasterId id="2147483648" r:id="rId2"/>
-    <p:sldMasterId id="2147483661" r:id="rId3"/>
-    <p:sldMasterId id="2147483674" r:id="rId4"/>
+    <p:sldMasterId id="2147483648" r:id="rId1"/>
+    <p:sldMasterId id="2147483661" r:id="rId2"/>
+    <p:sldMasterId id="2147483674" r:id="rId3"/>
   </p:sldMasterIdLst>
   <p:sldIdLst>
-    <p:sldId id="256" r:id="rId5"/>
-    <p:sldId id="257" r:id="rId6"/>
-    <p:sldId id="258" r:id="rId7"/>
-    <p:sldId id="259" r:id="rId8"/>
-    <p:sldId id="260" r:id="rId9"/>
-    <p:sldId id="261" r:id="rId10"/>
-    <p:sldId id="262" r:id="rId11"/>
-    <p:sldId id="263" r:id="rId12"/>
-    <p:sldId id="264" r:id="rId13"/>
-    <p:sldId id="265" r:id="rId14"/>
-    <p:sldId id="266" r:id="rId15"/>
-    <p:sldId id="267" r:id="rId16"/>
+    <p:sldId id="256" r:id="rId4"/>
+    <p:sldId id="257" r:id="rId5"/>
+    <p:sldId id="258" r:id="rId6"/>
+    <p:sldId id="259" r:id="rId7"/>
+    <p:sldId id="260" r:id="rId8"/>
+    <p:sldId id="261" r:id="rId9"/>
+    <p:sldId id="262" r:id="rId10"/>
+    <p:sldId id="263" r:id="rId11"/>
+    <p:sldId id="264" r:id="rId12"/>
+    <p:sldId id="265" r:id="rId13"/>
+    <p:sldId id="266" r:id="rId14"/>
+    <p:sldId id="267" r:id="rId15"/>
   </p:sldIdLst>
-  <p:sldSz cx="9144000" cy="6858000"/>
-  <p:notesSz cx="7559675" cy="10691812"/>
+  <p:sldSz cx="9144000" cy="6858000" type="screen4x3"/>
+  <p:notesSz cx="7559675" cy="10691813"/>
+  <p:defaultTextStyle>
+    <a:defPPr>
+      <a:defRPr lang="en-US"/>
+    </a:defPPr>
+    <a:lvl1pPr marL="0" algn="l" defTabSz="457200" rtl="0" eaLnBrk="1" latinLnBrk="0" hangingPunct="1">
+      <a:defRPr sz="1800" kern="1200">
+        <a:solidFill>
+          <a:schemeClr val="tx1"/>
+        </a:solidFill>
+        <a:latin typeface="+mn-lt"/>
+        <a:ea typeface="+mn-ea"/>
+        <a:cs typeface="+mn-cs"/>
+      </a:defRPr>
+    </a:lvl1pPr>
+    <a:lvl2pPr marL="457200" algn="l" defTabSz="457200" rtl="0" eaLnBrk="1" latinLnBrk="0" hangingPunct="1">
+      <a:defRPr sz="1800" kern="1200">
+        <a:solidFill>
+          <a:schemeClr val="tx1"/>
+        </a:solidFill>
+        <a:latin typeface="+mn-lt"/>
+        <a:ea typeface="+mn-ea"/>
+        <a:cs typeface="+mn-cs"/>
+      </a:defRPr>
+    </a:lvl2pPr>
+    <a:lvl3pPr marL="914400" algn="l" defTabSz="457200" rtl="0" eaLnBrk="1" latinLnBrk="0" hangingPunct="1">
+      <a:defRPr sz="1800" kern="1200">
+        <a:solidFill>
+          <a:schemeClr val="tx1"/>
+        </a:solidFill>
+        <a:latin typeface="+mn-lt"/>
+        <a:ea typeface="+mn-ea"/>
+        <a:cs typeface="+mn-cs"/>
+      </a:defRPr>
+    </a:lvl3pPr>
+    <a:lvl4pPr marL="1371600" algn="l" defTabSz="457200" rtl="0" eaLnBrk="1" latinLnBrk="0" hangingPunct="1">
+      <a:defRPr sz="1800" kern="1200">
+        <a:solidFill>
+          <a:schemeClr val="tx1"/>
+        </a:solidFill>
+        <a:latin typeface="+mn-lt"/>
+        <a:ea typeface="+mn-ea"/>
+        <a:cs typeface="+mn-cs"/>
+      </a:defRPr>
+    </a:lvl4pPr>
+    <a:lvl5pPr marL="1828800" algn="l" defTabSz="457200" rtl="0" eaLnBrk="1" latinLnBrk="0" hangingPunct="1">
+      <a:defRPr sz="1800" kern="1200">
+        <a:solidFill>
+          <a:schemeClr val="tx1"/>
+        </a:solidFill>
+        <a:latin typeface="+mn-lt"/>
+        <a:ea typeface="+mn-ea"/>
+        <a:cs typeface="+mn-cs"/>
+      </a:defRPr>
+    </a:lvl5pPr>
+    <a:lvl6pPr marL="2286000" algn="l" defTabSz="457200" rtl="0" eaLnBrk="1" latinLnBrk="0" hangingPunct="1">
+      <a:defRPr sz="1800" kern="1200">
+        <a:solidFill>
+          <a:schemeClr val="tx1"/>
+        </a:solidFill>
+        <a:latin typeface="+mn-lt"/>
+        <a:ea typeface="+mn-ea"/>
+        <a:cs typeface="+mn-cs"/>
+      </a:defRPr>
+    </a:lvl6pPr>
+    <a:lvl7pPr marL="2743200" algn="l" defTabSz="457200" rtl="0" eaLnBrk="1" latinLnBrk="0" hangingPunct="1">
+      <a:defRPr sz="1800" kern="1200">
+        <a:solidFill>
+          <a:schemeClr val="tx1"/>
+        </a:solidFill>
+        <a:latin typeface="+mn-lt"/>
+        <a:ea typeface="+mn-ea"/>
+        <a:cs typeface="+mn-cs"/>
+      </a:defRPr>
+    </a:lvl7pPr>
+    <a:lvl8pPr marL="3200400" algn="l" defTabSz="457200" rtl="0" eaLnBrk="1" latinLnBrk="0" hangingPunct="1">
+      <a:defRPr sz="1800" kern="1200">
+        <a:solidFill>
+          <a:schemeClr val="tx1"/>
+        </a:solidFill>
+        <a:latin typeface="+mn-lt"/>
+        <a:ea typeface="+mn-ea"/>
+        <a:cs typeface="+mn-cs"/>
+      </a:defRPr>
+    </a:lvl8pPr>
+    <a:lvl9pPr marL="3657600" algn="l" defTabSz="457200" rtl="0" eaLnBrk="1" latinLnBrk="0" hangingPunct="1">
+      <a:defRPr sz="1800" kern="1200">
+        <a:solidFill>
+          <a:schemeClr val="tx1"/>
+        </a:solidFill>
+        <a:latin typeface="+mn-lt"/>
+        <a:ea typeface="+mn-ea"/>
+        <a:cs typeface="+mn-cs"/>
+      </a:defRPr>
+    </a:lvl9pPr>
+  </p:defaultTextStyle>
 </p:presentation>
 </file>
 
 <file path=ppt/slideLayouts/slideLayout1.xml><?xml version="1.0" encoding="utf-8"?>
-<p:sldLayout xmlns:a="http://schemas.openxmlformats.org/drawingml/2006/main" xmlns:p="http://schemas.openxmlformats.org/presentationml/2006/main" xmlns:r="http://schemas.openxmlformats.org/officeDocument/2006/relationships" type="blank" preserve="1">
+<p:sldLayout xmlns:a="http://schemas.openxmlformats.org/drawingml/2006/main" xmlns:r="http://schemas.openxmlformats.org/officeDocument/2006/relationships" xmlns:p="http://schemas.openxmlformats.org/presentationml/2006/main" type="blank" preserve="1">
   <p:cSld name="Blank Slide">
     <p:spTree>
       <p:nvGrpSpPr>
@@ -44,11 +139,14 @@
       </p:grpSpPr>
     </p:spTree>
   </p:cSld>
+  <p:clrMapOvr>
+    <a:masterClrMapping/>
+  </p:clrMapOvr>
 </p:sldLayout>
 </file>
 
 <file path=ppt/slideLayouts/slideLayout10.xml><?xml version="1.0" encoding="utf-8"?>
-<p:sldLayout xmlns:a="http://schemas.openxmlformats.org/drawingml/2006/main" xmlns:p="http://schemas.openxmlformats.org/presentationml/2006/main" xmlns:r="http://schemas.openxmlformats.org/officeDocument/2006/relationships" type="objOverTx" preserve="1">
+<p:sldLayout xmlns:a="http://schemas.openxmlformats.org/drawingml/2006/main" xmlns:r="http://schemas.openxmlformats.org/officeDocument/2006/relationships" xmlns:p="http://schemas.openxmlformats.org/presentationml/2006/main" type="objOverTx" preserve="1">
   <p:cSld name="Title, Content over Content">
     <p:spTree>
       <p:nvGrpSpPr>
@@ -84,7 +182,8 @@
           </a:prstGeom>
         </p:spPr>
         <p:txBody>
-          <a:bodyPr lIns="0" rIns="0" tIns="0" bIns="0" anchor="ctr"/>
+          <a:bodyPr lIns="0" tIns="0" rIns="0" bIns="0" anchor="ctr"/>
+          <a:lstStyle/>
           <a:p>
             <a:endParaRPr/>
           </a:p>
@@ -110,7 +209,8 @@
           </a:prstGeom>
         </p:spPr>
         <p:txBody>
-          <a:bodyPr lIns="0" rIns="0" tIns="0" bIns="0"/>
+          <a:bodyPr lIns="0" tIns="0" rIns="0" bIns="0"/>
+          <a:lstStyle/>
           <a:p>
             <a:endParaRPr/>
           </a:p>
@@ -136,7 +236,8 @@
           </a:prstGeom>
         </p:spPr>
         <p:txBody>
-          <a:bodyPr lIns="0" rIns="0" tIns="0" bIns="0"/>
+          <a:bodyPr lIns="0" tIns="0" rIns="0" bIns="0"/>
+          <a:lstStyle/>
           <a:p>
             <a:endParaRPr/>
           </a:p>
@@ -144,11 +245,14 @@
       </p:sp>
     </p:spTree>
   </p:cSld>
+  <p:clrMapOvr>
+    <a:masterClrMapping/>
+  </p:clrMapOvr>
 </p:sldLayout>
 </file>
 
 <file path=ppt/slideLayouts/slideLayout11.xml><?xml version="1.0" encoding="utf-8"?>
-<p:sldLayout xmlns:a="http://schemas.openxmlformats.org/drawingml/2006/main" xmlns:p="http://schemas.openxmlformats.org/presentationml/2006/main" xmlns:r="http://schemas.openxmlformats.org/officeDocument/2006/relationships" type="fourObj" preserve="1">
+<p:sldLayout xmlns:a="http://schemas.openxmlformats.org/drawingml/2006/main" xmlns:r="http://schemas.openxmlformats.org/officeDocument/2006/relationships" xmlns:p="http://schemas.openxmlformats.org/presentationml/2006/main" type="fourObj" preserve="1">
   <p:cSld name="Title, 4 Content">
     <p:spTree>
       <p:nvGrpSpPr>
@@ -184,7 +288,8 @@
           </a:prstGeom>
         </p:spPr>
         <p:txBody>
-          <a:bodyPr lIns="0" rIns="0" tIns="0" bIns="0" anchor="ctr"/>
+          <a:bodyPr lIns="0" tIns="0" rIns="0" bIns="0" anchor="ctr"/>
+          <a:lstStyle/>
           <a:p>
             <a:endParaRPr/>
           </a:p>
@@ -210,7 +315,8 @@
           </a:prstGeom>
         </p:spPr>
         <p:txBody>
-          <a:bodyPr lIns="0" rIns="0" tIns="0" bIns="0"/>
+          <a:bodyPr lIns="0" tIns="0" rIns="0" bIns="0"/>
+          <a:lstStyle/>
           <a:p>
             <a:endParaRPr/>
           </a:p>
@@ -236,7 +342,8 @@
           </a:prstGeom>
         </p:spPr>
         <p:txBody>
-          <a:bodyPr lIns="0" rIns="0" tIns="0" bIns="0"/>
+          <a:bodyPr lIns="0" tIns="0" rIns="0" bIns="0"/>
+          <a:lstStyle/>
           <a:p>
             <a:endParaRPr/>
           </a:p>
@@ -262,7 +369,8 @@
           </a:prstGeom>
         </p:spPr>
         <p:txBody>
-          <a:bodyPr lIns="0" rIns="0" tIns="0" bIns="0"/>
+          <a:bodyPr lIns="0" tIns="0" rIns="0" bIns="0"/>
+          <a:lstStyle/>
           <a:p>
             <a:endParaRPr/>
           </a:p>
@@ -288,7 +396,8 @@
           </a:prstGeom>
         </p:spPr>
         <p:txBody>
-          <a:bodyPr lIns="0" rIns="0" tIns="0" bIns="0"/>
+          <a:bodyPr lIns="0" tIns="0" rIns="0" bIns="0"/>
+          <a:lstStyle/>
           <a:p>
             <a:endParaRPr/>
           </a:p>
@@ -296,11 +405,14 @@
       </p:sp>
     </p:spTree>
   </p:cSld>
+  <p:clrMapOvr>
+    <a:masterClrMapping/>
+  </p:clrMapOvr>
 </p:sldLayout>
 </file>
 
 <file path=ppt/slideLayouts/slideLayout12.xml><?xml version="1.0" encoding="utf-8"?>
-<p:sldLayout xmlns:a="http://schemas.openxmlformats.org/drawingml/2006/main" xmlns:p="http://schemas.openxmlformats.org/presentationml/2006/main" xmlns:r="http://schemas.openxmlformats.org/officeDocument/2006/relationships" type="blank" preserve="1">
+<p:sldLayout xmlns:a="http://schemas.openxmlformats.org/drawingml/2006/main" xmlns:r="http://schemas.openxmlformats.org/officeDocument/2006/relationships" xmlns:p="http://schemas.openxmlformats.org/presentationml/2006/main" type="blank" preserve="1">
   <p:cSld name="Title, 6 Content">
     <p:spTree>
       <p:nvGrpSpPr>
@@ -336,7 +448,8 @@
           </a:prstGeom>
         </p:spPr>
         <p:txBody>
-          <a:bodyPr lIns="0" rIns="0" tIns="0" bIns="0" anchor="ctr"/>
+          <a:bodyPr lIns="0" tIns="0" rIns="0" bIns="0" anchor="ctr"/>
+          <a:lstStyle/>
           <a:p>
             <a:endParaRPr/>
           </a:p>
@@ -362,7 +475,8 @@
           </a:prstGeom>
         </p:spPr>
         <p:txBody>
-          <a:bodyPr lIns="0" rIns="0" tIns="0" bIns="0"/>
+          <a:bodyPr lIns="0" tIns="0" rIns="0" bIns="0"/>
+          <a:lstStyle/>
           <a:p>
             <a:endParaRPr/>
           </a:p>
@@ -388,7 +502,8 @@
           </a:prstGeom>
         </p:spPr>
         <p:txBody>
-          <a:bodyPr lIns="0" rIns="0" tIns="0" bIns="0"/>
+          <a:bodyPr lIns="0" tIns="0" rIns="0" bIns="0"/>
+          <a:lstStyle/>
           <a:p>
             <a:endParaRPr/>
           </a:p>
@@ -396,7 +511,7 @@
       </p:sp>
       <p:pic>
         <p:nvPicPr>
-          <p:cNvPr id="37" name="" descr=""/>
+          <p:cNvPr id="37" name="Picture 36"/>
           <p:cNvPicPr/>
           <p:nvPr/>
         </p:nvPicPr>
@@ -421,12 +536,12 @@
       </p:pic>
       <p:pic>
         <p:nvPicPr>
-          <p:cNvPr id="38" name="" descr=""/>
+          <p:cNvPr id="38" name="Picture 37"/>
           <p:cNvPicPr/>
           <p:nvPr/>
         </p:nvPicPr>
         <p:blipFill>
-          <a:blip r:embed="rId3"/>
+          <a:blip r:embed="rId2"/>
           <a:stretch>
             <a:fillRect/>
           </a:stretch>
@@ -446,11 +561,14 @@
       </p:pic>
     </p:spTree>
   </p:cSld>
+  <p:clrMapOvr>
+    <a:masterClrMapping/>
+  </p:clrMapOvr>
 </p:sldLayout>
 </file>
 
 <file path=ppt/slideLayouts/slideLayout13.xml><?xml version="1.0" encoding="utf-8"?>
-<p:sldLayout xmlns:a="http://schemas.openxmlformats.org/drawingml/2006/main" xmlns:p="http://schemas.openxmlformats.org/presentationml/2006/main" xmlns:r="http://schemas.openxmlformats.org/officeDocument/2006/relationships" type="blank" preserve="1">
+<p:sldLayout xmlns:a="http://schemas.openxmlformats.org/drawingml/2006/main" xmlns:r="http://schemas.openxmlformats.org/officeDocument/2006/relationships" xmlns:p="http://schemas.openxmlformats.org/presentationml/2006/main" type="blank" preserve="1">
   <p:cSld name="Blank Slide">
     <p:spTree>
       <p:nvGrpSpPr>
@@ -468,11 +586,14 @@
       </p:grpSpPr>
     </p:spTree>
   </p:cSld>
+  <p:clrMapOvr>
+    <a:masterClrMapping/>
+  </p:clrMapOvr>
 </p:sldLayout>
 </file>
 
 <file path=ppt/slideLayouts/slideLayout14.xml><?xml version="1.0" encoding="utf-8"?>
-<p:sldLayout xmlns:a="http://schemas.openxmlformats.org/drawingml/2006/main" xmlns:p="http://schemas.openxmlformats.org/presentationml/2006/main" xmlns:r="http://schemas.openxmlformats.org/officeDocument/2006/relationships" type="tx" preserve="1">
+<p:sldLayout xmlns:a="http://schemas.openxmlformats.org/drawingml/2006/main" xmlns:r="http://schemas.openxmlformats.org/officeDocument/2006/relationships" xmlns:p="http://schemas.openxmlformats.org/presentationml/2006/main" type="tx" preserve="1">
   <p:cSld name="Title Slide">
     <p:spTree>
       <p:nvGrpSpPr>
@@ -508,7 +629,8 @@
           </a:prstGeom>
         </p:spPr>
         <p:txBody>
-          <a:bodyPr lIns="0" rIns="0" tIns="0" bIns="0" anchor="ctr"/>
+          <a:bodyPr lIns="0" tIns="0" rIns="0" bIns="0" anchor="ctr"/>
+          <a:lstStyle/>
           <a:p>
             <a:endParaRPr/>
           </a:p>
@@ -534,7 +656,8 @@
           </a:prstGeom>
         </p:spPr>
         <p:txBody>
-          <a:bodyPr lIns="0" rIns="0" tIns="0" bIns="0" anchor="ctr"/>
+          <a:bodyPr lIns="0" tIns="0" rIns="0" bIns="0" anchor="ctr"/>
+          <a:lstStyle/>
           <a:p>
             <a:pPr algn="ctr"/>
             <a:endParaRPr/>
@@ -543,11 +666,14 @@
       </p:sp>
     </p:spTree>
   </p:cSld>
+  <p:clrMapOvr>
+    <a:masterClrMapping/>
+  </p:clrMapOvr>
 </p:sldLayout>
 </file>
 
 <file path=ppt/slideLayouts/slideLayout15.xml><?xml version="1.0" encoding="utf-8"?>
-<p:sldLayout xmlns:a="http://schemas.openxmlformats.org/drawingml/2006/main" xmlns:p="http://schemas.openxmlformats.org/presentationml/2006/main" xmlns:r="http://schemas.openxmlformats.org/officeDocument/2006/relationships" type="obj" preserve="1">
+<p:sldLayout xmlns:a="http://schemas.openxmlformats.org/drawingml/2006/main" xmlns:r="http://schemas.openxmlformats.org/officeDocument/2006/relationships" xmlns:p="http://schemas.openxmlformats.org/presentationml/2006/main" type="obj" preserve="1">
   <p:cSld name="Title, Content">
     <p:spTree>
       <p:nvGrpSpPr>
@@ -583,7 +709,8 @@
           </a:prstGeom>
         </p:spPr>
         <p:txBody>
-          <a:bodyPr lIns="0" rIns="0" tIns="0" bIns="0" anchor="ctr"/>
+          <a:bodyPr lIns="0" tIns="0" rIns="0" bIns="0" anchor="ctr"/>
+          <a:lstStyle/>
           <a:p>
             <a:endParaRPr/>
           </a:p>
@@ -609,7 +736,8 @@
           </a:prstGeom>
         </p:spPr>
         <p:txBody>
-          <a:bodyPr lIns="0" rIns="0" tIns="0" bIns="0"/>
+          <a:bodyPr lIns="0" tIns="0" rIns="0" bIns="0"/>
+          <a:lstStyle/>
           <a:p>
             <a:endParaRPr/>
           </a:p>
@@ -617,11 +745,14 @@
       </p:sp>
     </p:spTree>
   </p:cSld>
+  <p:clrMapOvr>
+    <a:masterClrMapping/>
+  </p:clrMapOvr>
 </p:sldLayout>
 </file>
 
 <file path=ppt/slideLayouts/slideLayout16.xml><?xml version="1.0" encoding="utf-8"?>
-<p:sldLayout xmlns:a="http://schemas.openxmlformats.org/drawingml/2006/main" xmlns:p="http://schemas.openxmlformats.org/presentationml/2006/main" xmlns:r="http://schemas.openxmlformats.org/officeDocument/2006/relationships" type="twoObj" preserve="1">
+<p:sldLayout xmlns:a="http://schemas.openxmlformats.org/drawingml/2006/main" xmlns:r="http://schemas.openxmlformats.org/officeDocument/2006/relationships" xmlns:p="http://schemas.openxmlformats.org/presentationml/2006/main" type="twoObj" preserve="1">
   <p:cSld name="Title, 2 Content">
     <p:spTree>
       <p:nvGrpSpPr>
@@ -657,7 +788,8 @@
           </a:prstGeom>
         </p:spPr>
         <p:txBody>
-          <a:bodyPr lIns="0" rIns="0" tIns="0" bIns="0" anchor="ctr"/>
+          <a:bodyPr lIns="0" tIns="0" rIns="0" bIns="0" anchor="ctr"/>
+          <a:lstStyle/>
           <a:p>
             <a:endParaRPr/>
           </a:p>
@@ -683,7 +815,8 @@
           </a:prstGeom>
         </p:spPr>
         <p:txBody>
-          <a:bodyPr lIns="0" rIns="0" tIns="0" bIns="0"/>
+          <a:bodyPr lIns="0" tIns="0" rIns="0" bIns="0"/>
+          <a:lstStyle/>
           <a:p>
             <a:endParaRPr/>
           </a:p>
@@ -709,7 +842,8 @@
           </a:prstGeom>
         </p:spPr>
         <p:txBody>
-          <a:bodyPr lIns="0" rIns="0" tIns="0" bIns="0"/>
+          <a:bodyPr lIns="0" tIns="0" rIns="0" bIns="0"/>
+          <a:lstStyle/>
           <a:p>
             <a:endParaRPr/>
           </a:p>
@@ -717,11 +851,14 @@
       </p:sp>
     </p:spTree>
   </p:cSld>
+  <p:clrMapOvr>
+    <a:masterClrMapping/>
+  </p:clrMapOvr>
 </p:sldLayout>
 </file>
 
 <file path=ppt/slideLayouts/slideLayout17.xml><?xml version="1.0" encoding="utf-8"?>
-<p:sldLayout xmlns:a="http://schemas.openxmlformats.org/drawingml/2006/main" xmlns:p="http://schemas.openxmlformats.org/presentationml/2006/main" xmlns:r="http://schemas.openxmlformats.org/officeDocument/2006/relationships" type="titleOnly" preserve="1">
+<p:sldLayout xmlns:a="http://schemas.openxmlformats.org/drawingml/2006/main" xmlns:r="http://schemas.openxmlformats.org/officeDocument/2006/relationships" xmlns:p="http://schemas.openxmlformats.org/presentationml/2006/main" type="titleOnly" preserve="1">
   <p:cSld name="Title Only">
     <p:spTree>
       <p:nvGrpSpPr>
@@ -757,7 +894,8 @@
           </a:prstGeom>
         </p:spPr>
         <p:txBody>
-          <a:bodyPr lIns="0" rIns="0" tIns="0" bIns="0" anchor="ctr"/>
+          <a:bodyPr lIns="0" tIns="0" rIns="0" bIns="0" anchor="ctr"/>
+          <a:lstStyle/>
           <a:p>
             <a:endParaRPr/>
           </a:p>
@@ -765,11 +903,14 @@
       </p:sp>
     </p:spTree>
   </p:cSld>
+  <p:clrMapOvr>
+    <a:masterClrMapping/>
+  </p:clrMapOvr>
 </p:sldLayout>
 </file>
 
 <file path=ppt/slideLayouts/slideLayout18.xml><?xml version="1.0" encoding="utf-8"?>
-<p:sldLayout xmlns:a="http://schemas.openxmlformats.org/drawingml/2006/main" xmlns:p="http://schemas.openxmlformats.org/presentationml/2006/main" xmlns:r="http://schemas.openxmlformats.org/officeDocument/2006/relationships" type="objOnly" preserve="1">
+<p:sldLayout xmlns:a="http://schemas.openxmlformats.org/drawingml/2006/main" xmlns:r="http://schemas.openxmlformats.org/officeDocument/2006/relationships" xmlns:p="http://schemas.openxmlformats.org/presentationml/2006/main" type="objOnly" preserve="1">
   <p:cSld name="Centered Text">
     <p:spTree>
       <p:nvGrpSpPr>
@@ -805,7 +946,8 @@
           </a:prstGeom>
         </p:spPr>
         <p:txBody>
-          <a:bodyPr lIns="0" rIns="0" tIns="0" bIns="0" anchor="ctr"/>
+          <a:bodyPr lIns="0" tIns="0" rIns="0" bIns="0" anchor="ctr"/>
+          <a:lstStyle/>
           <a:p>
             <a:pPr algn="ctr"/>
             <a:endParaRPr/>
@@ -814,11 +956,14 @@
       </p:sp>
     </p:spTree>
   </p:cSld>
+  <p:clrMapOvr>
+    <a:masterClrMapping/>
+  </p:clrMapOvr>
 </p:sldLayout>
 </file>
 
 <file path=ppt/slideLayouts/slideLayout19.xml><?xml version="1.0" encoding="utf-8"?>
-<p:sldLayout xmlns:a="http://schemas.openxmlformats.org/drawingml/2006/main" xmlns:p="http://schemas.openxmlformats.org/presentationml/2006/main" xmlns:r="http://schemas.openxmlformats.org/officeDocument/2006/relationships" type="twoObjAndObj" preserve="1">
+<p:sldLayout xmlns:a="http://schemas.openxmlformats.org/drawingml/2006/main" xmlns:r="http://schemas.openxmlformats.org/officeDocument/2006/relationships" xmlns:p="http://schemas.openxmlformats.org/presentationml/2006/main" type="twoObjAndObj" preserve="1">
   <p:cSld name="Title, 2 Content and Content">
     <p:spTree>
       <p:nvGrpSpPr>
@@ -854,7 +999,8 @@
           </a:prstGeom>
         </p:spPr>
         <p:txBody>
-          <a:bodyPr lIns="0" rIns="0" tIns="0" bIns="0" anchor="ctr"/>
+          <a:bodyPr lIns="0" tIns="0" rIns="0" bIns="0" anchor="ctr"/>
+          <a:lstStyle/>
           <a:p>
             <a:endParaRPr/>
           </a:p>
@@ -880,7 +1026,8 @@
           </a:prstGeom>
         </p:spPr>
         <p:txBody>
-          <a:bodyPr lIns="0" rIns="0" tIns="0" bIns="0"/>
+          <a:bodyPr lIns="0" tIns="0" rIns="0" bIns="0"/>
+          <a:lstStyle/>
           <a:p>
             <a:endParaRPr/>
           </a:p>
@@ -906,7 +1053,8 @@
           </a:prstGeom>
         </p:spPr>
         <p:txBody>
-          <a:bodyPr lIns="0" rIns="0" tIns="0" bIns="0"/>
+          <a:bodyPr lIns="0" tIns="0" rIns="0" bIns="0"/>
+          <a:lstStyle/>
           <a:p>
             <a:endParaRPr/>
           </a:p>
@@ -932,7 +1080,8 @@
           </a:prstGeom>
         </p:spPr>
         <p:txBody>
-          <a:bodyPr lIns="0" rIns="0" tIns="0" bIns="0"/>
+          <a:bodyPr lIns="0" tIns="0" rIns="0" bIns="0"/>
+          <a:lstStyle/>
           <a:p>
             <a:endParaRPr/>
           </a:p>
@@ -940,11 +1089,14 @@
       </p:sp>
     </p:spTree>
   </p:cSld>
+  <p:clrMapOvr>
+    <a:masterClrMapping/>
+  </p:clrMapOvr>
 </p:sldLayout>
 </file>
 
 <file path=ppt/slideLayouts/slideLayout2.xml><?xml version="1.0" encoding="utf-8"?>
-<p:sldLayout xmlns:a="http://schemas.openxmlformats.org/drawingml/2006/main" xmlns:p="http://schemas.openxmlformats.org/presentationml/2006/main" xmlns:r="http://schemas.openxmlformats.org/officeDocument/2006/relationships" type="tx" preserve="1">
+<p:sldLayout xmlns:a="http://schemas.openxmlformats.org/drawingml/2006/main" xmlns:r="http://schemas.openxmlformats.org/officeDocument/2006/relationships" xmlns:p="http://schemas.openxmlformats.org/presentationml/2006/main" type="tx" preserve="1">
   <p:cSld name="Title Slide">
     <p:spTree>
       <p:nvGrpSpPr>
@@ -980,7 +1132,8 @@
           </a:prstGeom>
         </p:spPr>
         <p:txBody>
-          <a:bodyPr lIns="0" rIns="0" tIns="0" bIns="0" anchor="ctr"/>
+          <a:bodyPr lIns="0" tIns="0" rIns="0" bIns="0" anchor="ctr"/>
+          <a:lstStyle/>
           <a:p>
             <a:endParaRPr/>
           </a:p>
@@ -1006,7 +1159,8 @@
           </a:prstGeom>
         </p:spPr>
         <p:txBody>
-          <a:bodyPr lIns="0" rIns="0" tIns="0" bIns="0" anchor="ctr"/>
+          <a:bodyPr lIns="0" tIns="0" rIns="0" bIns="0" anchor="ctr"/>
+          <a:lstStyle/>
           <a:p>
             <a:pPr algn="ctr"/>
             <a:endParaRPr/>
@@ -1015,11 +1169,14 @@
       </p:sp>
     </p:spTree>
   </p:cSld>
+  <p:clrMapOvr>
+    <a:masterClrMapping/>
+  </p:clrMapOvr>
 </p:sldLayout>
 </file>
 
 <file path=ppt/slideLayouts/slideLayout20.xml><?xml version="1.0" encoding="utf-8"?>
-<p:sldLayout xmlns:a="http://schemas.openxmlformats.org/drawingml/2006/main" xmlns:p="http://schemas.openxmlformats.org/presentationml/2006/main" xmlns:r="http://schemas.openxmlformats.org/officeDocument/2006/relationships" type="objAndTwoObj" preserve="1">
+<p:sldLayout xmlns:a="http://schemas.openxmlformats.org/drawingml/2006/main" xmlns:r="http://schemas.openxmlformats.org/officeDocument/2006/relationships" xmlns:p="http://schemas.openxmlformats.org/presentationml/2006/main" type="objAndTwoObj" preserve="1">
   <p:cSld name="Title Content and 2 Content">
     <p:spTree>
       <p:nvGrpSpPr>
@@ -1055,7 +1212,8 @@
           </a:prstGeom>
         </p:spPr>
         <p:txBody>
-          <a:bodyPr lIns="0" rIns="0" tIns="0" bIns="0" anchor="ctr"/>
+          <a:bodyPr lIns="0" tIns="0" rIns="0" bIns="0" anchor="ctr"/>
+          <a:lstStyle/>
           <a:p>
             <a:endParaRPr/>
           </a:p>
@@ -1081,7 +1239,8 @@
           </a:prstGeom>
         </p:spPr>
         <p:txBody>
-          <a:bodyPr lIns="0" rIns="0" tIns="0" bIns="0"/>
+          <a:bodyPr lIns="0" tIns="0" rIns="0" bIns="0"/>
+          <a:lstStyle/>
           <a:p>
             <a:endParaRPr/>
           </a:p>
@@ -1107,7 +1266,8 @@
           </a:prstGeom>
         </p:spPr>
         <p:txBody>
-          <a:bodyPr lIns="0" rIns="0" tIns="0" bIns="0"/>
+          <a:bodyPr lIns="0" tIns="0" rIns="0" bIns="0"/>
+          <a:lstStyle/>
           <a:p>
             <a:endParaRPr/>
           </a:p>
@@ -1133,7 +1293,8 @@
           </a:prstGeom>
         </p:spPr>
         <p:txBody>
-          <a:bodyPr lIns="0" rIns="0" tIns="0" bIns="0"/>
+          <a:bodyPr lIns="0" tIns="0" rIns="0" bIns="0"/>
+          <a:lstStyle/>
           <a:p>
             <a:endParaRPr/>
           </a:p>
@@ -1141,11 +1302,14 @@
       </p:sp>
     </p:spTree>
   </p:cSld>
+  <p:clrMapOvr>
+    <a:masterClrMapping/>
+  </p:clrMapOvr>
 </p:sldLayout>
 </file>
 
 <file path=ppt/slideLayouts/slideLayout21.xml><?xml version="1.0" encoding="utf-8"?>
-<p:sldLayout xmlns:a="http://schemas.openxmlformats.org/drawingml/2006/main" xmlns:p="http://schemas.openxmlformats.org/presentationml/2006/main" xmlns:r="http://schemas.openxmlformats.org/officeDocument/2006/relationships" type="twoObjOverTx" preserve="1">
+<p:sldLayout xmlns:a="http://schemas.openxmlformats.org/drawingml/2006/main" xmlns:r="http://schemas.openxmlformats.org/officeDocument/2006/relationships" xmlns:p="http://schemas.openxmlformats.org/presentationml/2006/main" type="twoObjOverTx" preserve="1">
   <p:cSld name="Title, 2 Content over Content">
     <p:spTree>
       <p:nvGrpSpPr>
@@ -1181,7 +1345,8 @@
           </a:prstGeom>
         </p:spPr>
         <p:txBody>
-          <a:bodyPr lIns="0" rIns="0" tIns="0" bIns="0" anchor="ctr"/>
+          <a:bodyPr lIns="0" tIns="0" rIns="0" bIns="0" anchor="ctr"/>
+          <a:lstStyle/>
           <a:p>
             <a:endParaRPr/>
           </a:p>
@@ -1207,7 +1372,8 @@
           </a:prstGeom>
         </p:spPr>
         <p:txBody>
-          <a:bodyPr lIns="0" rIns="0" tIns="0" bIns="0"/>
+          <a:bodyPr lIns="0" tIns="0" rIns="0" bIns="0"/>
+          <a:lstStyle/>
           <a:p>
             <a:endParaRPr/>
           </a:p>
@@ -1233,7 +1399,8 @@
           </a:prstGeom>
         </p:spPr>
         <p:txBody>
-          <a:bodyPr lIns="0" rIns="0" tIns="0" bIns="0"/>
+          <a:bodyPr lIns="0" tIns="0" rIns="0" bIns="0"/>
+          <a:lstStyle/>
           <a:p>
             <a:endParaRPr/>
           </a:p>
@@ -1259,7 +1426,8 @@
           </a:prstGeom>
         </p:spPr>
         <p:txBody>
-          <a:bodyPr lIns="0" rIns="0" tIns="0" bIns="0"/>
+          <a:bodyPr lIns="0" tIns="0" rIns="0" bIns="0"/>
+          <a:lstStyle/>
           <a:p>
             <a:endParaRPr/>
           </a:p>
@@ -1267,11 +1435,14 @@
       </p:sp>
     </p:spTree>
   </p:cSld>
+  <p:clrMapOvr>
+    <a:masterClrMapping/>
+  </p:clrMapOvr>
 </p:sldLayout>
 </file>
 
 <file path=ppt/slideLayouts/slideLayout22.xml><?xml version="1.0" encoding="utf-8"?>
-<p:sldLayout xmlns:a="http://schemas.openxmlformats.org/drawingml/2006/main" xmlns:p="http://schemas.openxmlformats.org/presentationml/2006/main" xmlns:r="http://schemas.openxmlformats.org/officeDocument/2006/relationships" type="objOverTx" preserve="1">
+<p:sldLayout xmlns:a="http://schemas.openxmlformats.org/drawingml/2006/main" xmlns:r="http://schemas.openxmlformats.org/officeDocument/2006/relationships" xmlns:p="http://schemas.openxmlformats.org/presentationml/2006/main" type="objOverTx" preserve="1">
   <p:cSld name="Title, Content over Content">
     <p:spTree>
       <p:nvGrpSpPr>
@@ -1307,7 +1478,8 @@
           </a:prstGeom>
         </p:spPr>
         <p:txBody>
-          <a:bodyPr lIns="0" rIns="0" tIns="0" bIns="0" anchor="ctr"/>
+          <a:bodyPr lIns="0" tIns="0" rIns="0" bIns="0" anchor="ctr"/>
+          <a:lstStyle/>
           <a:p>
             <a:endParaRPr/>
           </a:p>
@@ -1333,7 +1505,8 @@
           </a:prstGeom>
         </p:spPr>
         <p:txBody>
-          <a:bodyPr lIns="0" rIns="0" tIns="0" bIns="0"/>
+          <a:bodyPr lIns="0" tIns="0" rIns="0" bIns="0"/>
+          <a:lstStyle/>
           <a:p>
             <a:endParaRPr/>
           </a:p>
@@ -1359,7 +1532,8 @@
           </a:prstGeom>
         </p:spPr>
         <p:txBody>
-          <a:bodyPr lIns="0" rIns="0" tIns="0" bIns="0"/>
+          <a:bodyPr lIns="0" tIns="0" rIns="0" bIns="0"/>
+          <a:lstStyle/>
           <a:p>
             <a:endParaRPr/>
           </a:p>
@@ -1367,11 +1541,14 @@
       </p:sp>
     </p:spTree>
   </p:cSld>
+  <p:clrMapOvr>
+    <a:masterClrMapping/>
+  </p:clrMapOvr>
 </p:sldLayout>
 </file>
 
 <file path=ppt/slideLayouts/slideLayout23.xml><?xml version="1.0" encoding="utf-8"?>
-<p:sldLayout xmlns:a="http://schemas.openxmlformats.org/drawingml/2006/main" xmlns:p="http://schemas.openxmlformats.org/presentationml/2006/main" xmlns:r="http://schemas.openxmlformats.org/officeDocument/2006/relationships" type="fourObj" preserve="1">
+<p:sldLayout xmlns:a="http://schemas.openxmlformats.org/drawingml/2006/main" xmlns:r="http://schemas.openxmlformats.org/officeDocument/2006/relationships" xmlns:p="http://schemas.openxmlformats.org/presentationml/2006/main" type="fourObj" preserve="1">
   <p:cSld name="Title, 4 Content">
     <p:spTree>
       <p:nvGrpSpPr>
@@ -1407,7 +1584,8 @@
           </a:prstGeom>
         </p:spPr>
         <p:txBody>
-          <a:bodyPr lIns="0" rIns="0" tIns="0" bIns="0" anchor="ctr"/>
+          <a:bodyPr lIns="0" tIns="0" rIns="0" bIns="0" anchor="ctr"/>
+          <a:lstStyle/>
           <a:p>
             <a:endParaRPr/>
           </a:p>
@@ -1433,7 +1611,8 @@
           </a:prstGeom>
         </p:spPr>
         <p:txBody>
-          <a:bodyPr lIns="0" rIns="0" tIns="0" bIns="0"/>
+          <a:bodyPr lIns="0" tIns="0" rIns="0" bIns="0"/>
+          <a:lstStyle/>
           <a:p>
             <a:endParaRPr/>
           </a:p>
@@ -1459,7 +1638,8 @@
           </a:prstGeom>
         </p:spPr>
         <p:txBody>
-          <a:bodyPr lIns="0" rIns="0" tIns="0" bIns="0"/>
+          <a:bodyPr lIns="0" tIns="0" rIns="0" bIns="0"/>
+          <a:lstStyle/>
           <a:p>
             <a:endParaRPr/>
           </a:p>
@@ -1485,7 +1665,8 @@
           </a:prstGeom>
         </p:spPr>
         <p:txBody>
-          <a:bodyPr lIns="0" rIns="0" tIns="0" bIns="0"/>
+          <a:bodyPr lIns="0" tIns="0" rIns="0" bIns="0"/>
+          <a:lstStyle/>
           <a:p>
             <a:endParaRPr/>
           </a:p>
@@ -1511,7 +1692,8 @@
           </a:prstGeom>
         </p:spPr>
         <p:txBody>
-          <a:bodyPr lIns="0" rIns="0" tIns="0" bIns="0"/>
+          <a:bodyPr lIns="0" tIns="0" rIns="0" bIns="0"/>
+          <a:lstStyle/>
           <a:p>
             <a:endParaRPr/>
           </a:p>
@@ -1519,11 +1701,14 @@
       </p:sp>
     </p:spTree>
   </p:cSld>
+  <p:clrMapOvr>
+    <a:masterClrMapping/>
+  </p:clrMapOvr>
 </p:sldLayout>
 </file>
 
 <file path=ppt/slideLayouts/slideLayout24.xml><?xml version="1.0" encoding="utf-8"?>
-<p:sldLayout xmlns:a="http://schemas.openxmlformats.org/drawingml/2006/main" xmlns:p="http://schemas.openxmlformats.org/presentationml/2006/main" xmlns:r="http://schemas.openxmlformats.org/officeDocument/2006/relationships" type="blank" preserve="1">
+<p:sldLayout xmlns:a="http://schemas.openxmlformats.org/drawingml/2006/main" xmlns:r="http://schemas.openxmlformats.org/officeDocument/2006/relationships" xmlns:p="http://schemas.openxmlformats.org/presentationml/2006/main" type="blank" preserve="1">
   <p:cSld name="Title, 6 Content">
     <p:spTree>
       <p:nvGrpSpPr>
@@ -1559,7 +1744,8 @@
           </a:prstGeom>
         </p:spPr>
         <p:txBody>
-          <a:bodyPr lIns="0" rIns="0" tIns="0" bIns="0" anchor="ctr"/>
+          <a:bodyPr lIns="0" tIns="0" rIns="0" bIns="0" anchor="ctr"/>
+          <a:lstStyle/>
           <a:p>
             <a:endParaRPr/>
           </a:p>
@@ -1585,7 +1771,8 @@
           </a:prstGeom>
         </p:spPr>
         <p:txBody>
-          <a:bodyPr lIns="0" rIns="0" tIns="0" bIns="0"/>
+          <a:bodyPr lIns="0" tIns="0" rIns="0" bIns="0"/>
+          <a:lstStyle/>
           <a:p>
             <a:endParaRPr/>
           </a:p>
@@ -1611,7 +1798,8 @@
           </a:prstGeom>
         </p:spPr>
         <p:txBody>
-          <a:bodyPr lIns="0" rIns="0" tIns="0" bIns="0"/>
+          <a:bodyPr lIns="0" tIns="0" rIns="0" bIns="0"/>
+          <a:lstStyle/>
           <a:p>
             <a:endParaRPr/>
           </a:p>
@@ -1619,7 +1807,7 @@
       </p:sp>
       <p:pic>
         <p:nvPicPr>
-          <p:cNvPr id="76" name="" descr=""/>
+          <p:cNvPr id="76" name="Picture 75"/>
           <p:cNvPicPr/>
           <p:nvPr/>
         </p:nvPicPr>
@@ -1644,12 +1832,12 @@
       </p:pic>
       <p:pic>
         <p:nvPicPr>
-          <p:cNvPr id="77" name="" descr=""/>
+          <p:cNvPr id="77" name="Picture 76"/>
           <p:cNvPicPr/>
           <p:nvPr/>
         </p:nvPicPr>
         <p:blipFill>
-          <a:blip r:embed="rId3"/>
+          <a:blip r:embed="rId2"/>
           <a:stretch>
             <a:fillRect/>
           </a:stretch>
@@ -1669,11 +1857,14 @@
       </p:pic>
     </p:spTree>
   </p:cSld>
+  <p:clrMapOvr>
+    <a:masterClrMapping/>
+  </p:clrMapOvr>
 </p:sldLayout>
 </file>
 
 <file path=ppt/slideLayouts/slideLayout25.xml><?xml version="1.0" encoding="utf-8"?>
-<p:sldLayout xmlns:a="http://schemas.openxmlformats.org/drawingml/2006/main" xmlns:p="http://schemas.openxmlformats.org/presentationml/2006/main" xmlns:r="http://schemas.openxmlformats.org/officeDocument/2006/relationships" type="blank" preserve="1">
+<p:sldLayout xmlns:a="http://schemas.openxmlformats.org/drawingml/2006/main" xmlns:r="http://schemas.openxmlformats.org/officeDocument/2006/relationships" xmlns:p="http://schemas.openxmlformats.org/presentationml/2006/main" type="blank" preserve="1">
   <p:cSld name="Blank Slide">
     <p:spTree>
       <p:nvGrpSpPr>
@@ -1691,11 +1882,14 @@
       </p:grpSpPr>
     </p:spTree>
   </p:cSld>
+  <p:clrMapOvr>
+    <a:masterClrMapping/>
+  </p:clrMapOvr>
 </p:sldLayout>
 </file>
 
 <file path=ppt/slideLayouts/slideLayout26.xml><?xml version="1.0" encoding="utf-8"?>
-<p:sldLayout xmlns:a="http://schemas.openxmlformats.org/drawingml/2006/main" xmlns:p="http://schemas.openxmlformats.org/presentationml/2006/main" xmlns:r="http://schemas.openxmlformats.org/officeDocument/2006/relationships" type="tx" preserve="1">
+<p:sldLayout xmlns:a="http://schemas.openxmlformats.org/drawingml/2006/main" xmlns:r="http://schemas.openxmlformats.org/officeDocument/2006/relationships" xmlns:p="http://schemas.openxmlformats.org/presentationml/2006/main" type="tx" preserve="1">
   <p:cSld name="Title Slide">
     <p:spTree>
       <p:nvGrpSpPr>
@@ -1731,7 +1925,8 @@
           </a:prstGeom>
         </p:spPr>
         <p:txBody>
-          <a:bodyPr lIns="0" rIns="0" tIns="0" bIns="0" anchor="ctr"/>
+          <a:bodyPr lIns="0" tIns="0" rIns="0" bIns="0" anchor="ctr"/>
+          <a:lstStyle/>
           <a:p>
             <a:endParaRPr/>
           </a:p>
@@ -1757,7 +1952,8 @@
           </a:prstGeom>
         </p:spPr>
         <p:txBody>
-          <a:bodyPr lIns="0" rIns="0" tIns="0" bIns="0" anchor="ctr"/>
+          <a:bodyPr lIns="0" tIns="0" rIns="0" bIns="0" anchor="ctr"/>
+          <a:lstStyle/>
           <a:p>
             <a:pPr algn="ctr"/>
             <a:endParaRPr/>
@@ -1766,11 +1962,14 @@
       </p:sp>
     </p:spTree>
   </p:cSld>
+  <p:clrMapOvr>
+    <a:masterClrMapping/>
+  </p:clrMapOvr>
 </p:sldLayout>
 </file>
 
 <file path=ppt/slideLayouts/slideLayout27.xml><?xml version="1.0" encoding="utf-8"?>
-<p:sldLayout xmlns:a="http://schemas.openxmlformats.org/drawingml/2006/main" xmlns:p="http://schemas.openxmlformats.org/presentationml/2006/main" xmlns:r="http://schemas.openxmlformats.org/officeDocument/2006/relationships" type="obj" preserve="1">
+<p:sldLayout xmlns:a="http://schemas.openxmlformats.org/drawingml/2006/main" xmlns:r="http://schemas.openxmlformats.org/officeDocument/2006/relationships" xmlns:p="http://schemas.openxmlformats.org/presentationml/2006/main" type="obj" preserve="1">
   <p:cSld name="Title, Content">
     <p:spTree>
       <p:nvGrpSpPr>
@@ -1806,7 +2005,8 @@
           </a:prstGeom>
         </p:spPr>
         <p:txBody>
-          <a:bodyPr lIns="0" rIns="0" tIns="0" bIns="0" anchor="ctr"/>
+          <a:bodyPr lIns="0" tIns="0" rIns="0" bIns="0" anchor="ctr"/>
+          <a:lstStyle/>
           <a:p>
             <a:endParaRPr/>
           </a:p>
@@ -1832,7 +2032,8 @@
           </a:prstGeom>
         </p:spPr>
         <p:txBody>
-          <a:bodyPr lIns="0" rIns="0" tIns="0" bIns="0"/>
+          <a:bodyPr lIns="0" tIns="0" rIns="0" bIns="0"/>
+          <a:lstStyle/>
           <a:p>
             <a:endParaRPr/>
           </a:p>
@@ -1840,11 +2041,14 @@
       </p:sp>
     </p:spTree>
   </p:cSld>
+  <p:clrMapOvr>
+    <a:masterClrMapping/>
+  </p:clrMapOvr>
 </p:sldLayout>
 </file>
 
 <file path=ppt/slideLayouts/slideLayout28.xml><?xml version="1.0" encoding="utf-8"?>
-<p:sldLayout xmlns:a="http://schemas.openxmlformats.org/drawingml/2006/main" xmlns:p="http://schemas.openxmlformats.org/presentationml/2006/main" xmlns:r="http://schemas.openxmlformats.org/officeDocument/2006/relationships" type="twoObj" preserve="1">
+<p:sldLayout xmlns:a="http://schemas.openxmlformats.org/drawingml/2006/main" xmlns:r="http://schemas.openxmlformats.org/officeDocument/2006/relationships" xmlns:p="http://schemas.openxmlformats.org/presentationml/2006/main" type="twoObj" preserve="1">
   <p:cSld name="Title, 2 Content">
     <p:spTree>
       <p:nvGrpSpPr>
@@ -1880,7 +2084,8 @@
           </a:prstGeom>
         </p:spPr>
         <p:txBody>
-          <a:bodyPr lIns="0" rIns="0" tIns="0" bIns="0" anchor="ctr"/>
+          <a:bodyPr lIns="0" tIns="0" rIns="0" bIns="0" anchor="ctr"/>
+          <a:lstStyle/>
           <a:p>
             <a:endParaRPr/>
           </a:p>
@@ -1906,7 +2111,8 @@
           </a:prstGeom>
         </p:spPr>
         <p:txBody>
-          <a:bodyPr lIns="0" rIns="0" tIns="0" bIns="0"/>
+          <a:bodyPr lIns="0" tIns="0" rIns="0" bIns="0"/>
+          <a:lstStyle/>
           <a:p>
             <a:endParaRPr/>
           </a:p>
@@ -1932,7 +2138,8 @@
           </a:prstGeom>
         </p:spPr>
         <p:txBody>
-          <a:bodyPr lIns="0" rIns="0" tIns="0" bIns="0"/>
+          <a:bodyPr lIns="0" tIns="0" rIns="0" bIns="0"/>
+          <a:lstStyle/>
           <a:p>
             <a:endParaRPr/>
           </a:p>
@@ -1940,11 +2147,14 @@
       </p:sp>
     </p:spTree>
   </p:cSld>
+  <p:clrMapOvr>
+    <a:masterClrMapping/>
+  </p:clrMapOvr>
 </p:sldLayout>
 </file>
 
 <file path=ppt/slideLayouts/slideLayout29.xml><?xml version="1.0" encoding="utf-8"?>
-<p:sldLayout xmlns:a="http://schemas.openxmlformats.org/drawingml/2006/main" xmlns:p="http://schemas.openxmlformats.org/presentationml/2006/main" xmlns:r="http://schemas.openxmlformats.org/officeDocument/2006/relationships" type="titleOnly" preserve="1">
+<p:sldLayout xmlns:a="http://schemas.openxmlformats.org/drawingml/2006/main" xmlns:r="http://schemas.openxmlformats.org/officeDocument/2006/relationships" xmlns:p="http://schemas.openxmlformats.org/presentationml/2006/main" type="titleOnly" preserve="1">
   <p:cSld name="Title Only">
     <p:spTree>
       <p:nvGrpSpPr>
@@ -1980,7 +2190,8 @@
           </a:prstGeom>
         </p:spPr>
         <p:txBody>
-          <a:bodyPr lIns="0" rIns="0" tIns="0" bIns="0" anchor="ctr"/>
+          <a:bodyPr lIns="0" tIns="0" rIns="0" bIns="0" anchor="ctr"/>
+          <a:lstStyle/>
           <a:p>
             <a:endParaRPr/>
           </a:p>
@@ -1988,11 +2199,14 @@
       </p:sp>
     </p:spTree>
   </p:cSld>
+  <p:clrMapOvr>
+    <a:masterClrMapping/>
+  </p:clrMapOvr>
 </p:sldLayout>
 </file>
 
 <file path=ppt/slideLayouts/slideLayout3.xml><?xml version="1.0" encoding="utf-8"?>
-<p:sldLayout xmlns:a="http://schemas.openxmlformats.org/drawingml/2006/main" xmlns:p="http://schemas.openxmlformats.org/presentationml/2006/main" xmlns:r="http://schemas.openxmlformats.org/officeDocument/2006/relationships" type="obj" preserve="1">
+<p:sldLayout xmlns:a="http://schemas.openxmlformats.org/drawingml/2006/main" xmlns:r="http://schemas.openxmlformats.org/officeDocument/2006/relationships" xmlns:p="http://schemas.openxmlformats.org/presentationml/2006/main" type="obj" preserve="1">
   <p:cSld name="Title, Content">
     <p:spTree>
       <p:nvGrpSpPr>
@@ -2028,7 +2242,8 @@
           </a:prstGeom>
         </p:spPr>
         <p:txBody>
-          <a:bodyPr lIns="0" rIns="0" tIns="0" bIns="0" anchor="ctr"/>
+          <a:bodyPr lIns="0" tIns="0" rIns="0" bIns="0" anchor="ctr"/>
+          <a:lstStyle/>
           <a:p>
             <a:endParaRPr/>
           </a:p>
@@ -2054,7 +2269,8 @@
           </a:prstGeom>
         </p:spPr>
         <p:txBody>
-          <a:bodyPr lIns="0" rIns="0" tIns="0" bIns="0"/>
+          <a:bodyPr lIns="0" tIns="0" rIns="0" bIns="0"/>
+          <a:lstStyle/>
           <a:p>
             <a:endParaRPr/>
           </a:p>
@@ -2062,11 +2278,14 @@
       </p:sp>
     </p:spTree>
   </p:cSld>
+  <p:clrMapOvr>
+    <a:masterClrMapping/>
+  </p:clrMapOvr>
 </p:sldLayout>
 </file>
 
 <file path=ppt/slideLayouts/slideLayout30.xml><?xml version="1.0" encoding="utf-8"?>
-<p:sldLayout xmlns:a="http://schemas.openxmlformats.org/drawingml/2006/main" xmlns:p="http://schemas.openxmlformats.org/presentationml/2006/main" xmlns:r="http://schemas.openxmlformats.org/officeDocument/2006/relationships" type="objOnly" preserve="1">
+<p:sldLayout xmlns:a="http://schemas.openxmlformats.org/drawingml/2006/main" xmlns:r="http://schemas.openxmlformats.org/officeDocument/2006/relationships" xmlns:p="http://schemas.openxmlformats.org/presentationml/2006/main" type="objOnly" preserve="1">
   <p:cSld name="Centered Text">
     <p:spTree>
       <p:nvGrpSpPr>
@@ -2102,7 +2321,8 @@
           </a:prstGeom>
         </p:spPr>
         <p:txBody>
-          <a:bodyPr lIns="0" rIns="0" tIns="0" bIns="0" anchor="ctr"/>
+          <a:bodyPr lIns="0" tIns="0" rIns="0" bIns="0" anchor="ctr"/>
+          <a:lstStyle/>
           <a:p>
             <a:pPr algn="ctr"/>
             <a:endParaRPr/>
@@ -2111,11 +2331,14 @@
       </p:sp>
     </p:spTree>
   </p:cSld>
+  <p:clrMapOvr>
+    <a:masterClrMapping/>
+  </p:clrMapOvr>
 </p:sldLayout>
 </file>
 
 <file path=ppt/slideLayouts/slideLayout31.xml><?xml version="1.0" encoding="utf-8"?>
-<p:sldLayout xmlns:a="http://schemas.openxmlformats.org/drawingml/2006/main" xmlns:p="http://schemas.openxmlformats.org/presentationml/2006/main" xmlns:r="http://schemas.openxmlformats.org/officeDocument/2006/relationships" type="twoObjAndObj" preserve="1">
+<p:sldLayout xmlns:a="http://schemas.openxmlformats.org/drawingml/2006/main" xmlns:r="http://schemas.openxmlformats.org/officeDocument/2006/relationships" xmlns:p="http://schemas.openxmlformats.org/presentationml/2006/main" type="twoObjAndObj" preserve="1">
   <p:cSld name="Title, 2 Content and Content">
     <p:spTree>
       <p:nvGrpSpPr>
@@ -2151,7 +2374,8 @@
           </a:prstGeom>
         </p:spPr>
         <p:txBody>
-          <a:bodyPr lIns="0" rIns="0" tIns="0" bIns="0" anchor="ctr"/>
+          <a:bodyPr lIns="0" tIns="0" rIns="0" bIns="0" anchor="ctr"/>
+          <a:lstStyle/>
           <a:p>
             <a:endParaRPr/>
           </a:p>
@@ -2177,7 +2401,8 @@
           </a:prstGeom>
         </p:spPr>
         <p:txBody>
-          <a:bodyPr lIns="0" rIns="0" tIns="0" bIns="0"/>
+          <a:bodyPr lIns="0" tIns="0" rIns="0" bIns="0"/>
+          <a:lstStyle/>
           <a:p>
             <a:endParaRPr/>
           </a:p>
@@ -2203,7 +2428,8 @@
           </a:prstGeom>
         </p:spPr>
         <p:txBody>
-          <a:bodyPr lIns="0" rIns="0" tIns="0" bIns="0"/>
+          <a:bodyPr lIns="0" tIns="0" rIns="0" bIns="0"/>
+          <a:lstStyle/>
           <a:p>
             <a:endParaRPr/>
           </a:p>
@@ -2229,7 +2455,8 @@
           </a:prstGeom>
         </p:spPr>
         <p:txBody>
-          <a:bodyPr lIns="0" rIns="0" tIns="0" bIns="0"/>
+          <a:bodyPr lIns="0" tIns="0" rIns="0" bIns="0"/>
+          <a:lstStyle/>
           <a:p>
             <a:endParaRPr/>
           </a:p>
@@ -2237,11 +2464,14 @@
       </p:sp>
     </p:spTree>
   </p:cSld>
+  <p:clrMapOvr>
+    <a:masterClrMapping/>
+  </p:clrMapOvr>
 </p:sldLayout>
 </file>
 
 <file path=ppt/slideLayouts/slideLayout32.xml><?xml version="1.0" encoding="utf-8"?>
-<p:sldLayout xmlns:a="http://schemas.openxmlformats.org/drawingml/2006/main" xmlns:p="http://schemas.openxmlformats.org/presentationml/2006/main" xmlns:r="http://schemas.openxmlformats.org/officeDocument/2006/relationships" type="objAndTwoObj" preserve="1">
+<p:sldLayout xmlns:a="http://schemas.openxmlformats.org/drawingml/2006/main" xmlns:r="http://schemas.openxmlformats.org/officeDocument/2006/relationships" xmlns:p="http://schemas.openxmlformats.org/presentationml/2006/main" type="objAndTwoObj" preserve="1">
   <p:cSld name="Title Content and 2 Content">
     <p:spTree>
       <p:nvGrpSpPr>
@@ -2277,7 +2507,8 @@
           </a:prstGeom>
         </p:spPr>
         <p:txBody>
-          <a:bodyPr lIns="0" rIns="0" tIns="0" bIns="0" anchor="ctr"/>
+          <a:bodyPr lIns="0" tIns="0" rIns="0" bIns="0" anchor="ctr"/>
+          <a:lstStyle/>
           <a:p>
             <a:endParaRPr/>
           </a:p>
@@ -2303,7 +2534,8 @@
           </a:prstGeom>
         </p:spPr>
         <p:txBody>
-          <a:bodyPr lIns="0" rIns="0" tIns="0" bIns="0"/>
+          <a:bodyPr lIns="0" tIns="0" rIns="0" bIns="0"/>
+          <a:lstStyle/>
           <a:p>
             <a:endParaRPr/>
           </a:p>
@@ -2329,7 +2561,8 @@
           </a:prstGeom>
         </p:spPr>
         <p:txBody>
-          <a:bodyPr lIns="0" rIns="0" tIns="0" bIns="0"/>
+          <a:bodyPr lIns="0" tIns="0" rIns="0" bIns="0"/>
+          <a:lstStyle/>
           <a:p>
             <a:endParaRPr/>
           </a:p>
@@ -2355,7 +2588,8 @@
           </a:prstGeom>
         </p:spPr>
         <p:txBody>
-          <a:bodyPr lIns="0" rIns="0" tIns="0" bIns="0"/>
+          <a:bodyPr lIns="0" tIns="0" rIns="0" bIns="0"/>
+          <a:lstStyle/>
           <a:p>
             <a:endParaRPr/>
           </a:p>
@@ -2363,11 +2597,14 @@
       </p:sp>
     </p:spTree>
   </p:cSld>
+  <p:clrMapOvr>
+    <a:masterClrMapping/>
+  </p:clrMapOvr>
 </p:sldLayout>
 </file>
 
 <file path=ppt/slideLayouts/slideLayout33.xml><?xml version="1.0" encoding="utf-8"?>
-<p:sldLayout xmlns:a="http://schemas.openxmlformats.org/drawingml/2006/main" xmlns:p="http://schemas.openxmlformats.org/presentationml/2006/main" xmlns:r="http://schemas.openxmlformats.org/officeDocument/2006/relationships" type="twoObjOverTx" preserve="1">
+<p:sldLayout xmlns:a="http://schemas.openxmlformats.org/drawingml/2006/main" xmlns:r="http://schemas.openxmlformats.org/officeDocument/2006/relationships" xmlns:p="http://schemas.openxmlformats.org/presentationml/2006/main" type="twoObjOverTx" preserve="1">
   <p:cSld name="Title, 2 Content over Content">
     <p:spTree>
       <p:nvGrpSpPr>
@@ -2403,7 +2640,8 @@
           </a:prstGeom>
         </p:spPr>
         <p:txBody>
-          <a:bodyPr lIns="0" rIns="0" tIns="0" bIns="0" anchor="ctr"/>
+          <a:bodyPr lIns="0" tIns="0" rIns="0" bIns="0" anchor="ctr"/>
+          <a:lstStyle/>
           <a:p>
             <a:endParaRPr/>
           </a:p>
@@ -2429,7 +2667,8 @@
           </a:prstGeom>
         </p:spPr>
         <p:txBody>
-          <a:bodyPr lIns="0" rIns="0" tIns="0" bIns="0"/>
+          <a:bodyPr lIns="0" tIns="0" rIns="0" bIns="0"/>
+          <a:lstStyle/>
           <a:p>
             <a:endParaRPr/>
           </a:p>
@@ -2455,7 +2694,8 @@
           </a:prstGeom>
         </p:spPr>
         <p:txBody>
-          <a:bodyPr lIns="0" rIns="0" tIns="0" bIns="0"/>
+          <a:bodyPr lIns="0" tIns="0" rIns="0" bIns="0"/>
+          <a:lstStyle/>
           <a:p>
             <a:endParaRPr/>
           </a:p>
@@ -2481,7 +2721,8 @@
           </a:prstGeom>
         </p:spPr>
         <p:txBody>
-          <a:bodyPr lIns="0" rIns="0" tIns="0" bIns="0"/>
+          <a:bodyPr lIns="0" tIns="0" rIns="0" bIns="0"/>
+          <a:lstStyle/>
           <a:p>
             <a:endParaRPr/>
           </a:p>
@@ -2489,11 +2730,14 @@
       </p:sp>
     </p:spTree>
   </p:cSld>
+  <p:clrMapOvr>
+    <a:masterClrMapping/>
+  </p:clrMapOvr>
 </p:sldLayout>
 </file>
 
 <file path=ppt/slideLayouts/slideLayout34.xml><?xml version="1.0" encoding="utf-8"?>
-<p:sldLayout xmlns:a="http://schemas.openxmlformats.org/drawingml/2006/main" xmlns:p="http://schemas.openxmlformats.org/presentationml/2006/main" xmlns:r="http://schemas.openxmlformats.org/officeDocument/2006/relationships" type="objOverTx" preserve="1">
+<p:sldLayout xmlns:a="http://schemas.openxmlformats.org/drawingml/2006/main" xmlns:r="http://schemas.openxmlformats.org/officeDocument/2006/relationships" xmlns:p="http://schemas.openxmlformats.org/presentationml/2006/main" type="objOverTx" preserve="1">
   <p:cSld name="Title, Content over Content">
     <p:spTree>
       <p:nvGrpSpPr>
@@ -2529,7 +2773,8 @@
           </a:prstGeom>
         </p:spPr>
         <p:txBody>
-          <a:bodyPr lIns="0" rIns="0" tIns="0" bIns="0" anchor="ctr"/>
+          <a:bodyPr lIns="0" tIns="0" rIns="0" bIns="0" anchor="ctr"/>
+          <a:lstStyle/>
           <a:p>
             <a:endParaRPr/>
           </a:p>
@@ -2555,7 +2800,8 @@
           </a:prstGeom>
         </p:spPr>
         <p:txBody>
-          <a:bodyPr lIns="0" rIns="0" tIns="0" bIns="0"/>
+          <a:bodyPr lIns="0" tIns="0" rIns="0" bIns="0"/>
+          <a:lstStyle/>
           <a:p>
             <a:endParaRPr/>
           </a:p>
@@ -2581,7 +2827,8 @@
           </a:prstGeom>
         </p:spPr>
         <p:txBody>
-          <a:bodyPr lIns="0" rIns="0" tIns="0" bIns="0"/>
+          <a:bodyPr lIns="0" tIns="0" rIns="0" bIns="0"/>
+          <a:lstStyle/>
           <a:p>
             <a:endParaRPr/>
           </a:p>
@@ -2589,11 +2836,14 @@
       </p:sp>
     </p:spTree>
   </p:cSld>
+  <p:clrMapOvr>
+    <a:masterClrMapping/>
+  </p:clrMapOvr>
 </p:sldLayout>
 </file>
 
 <file path=ppt/slideLayouts/slideLayout35.xml><?xml version="1.0" encoding="utf-8"?>
-<p:sldLayout xmlns:a="http://schemas.openxmlformats.org/drawingml/2006/main" xmlns:p="http://schemas.openxmlformats.org/presentationml/2006/main" xmlns:r="http://schemas.openxmlformats.org/officeDocument/2006/relationships" type="fourObj" preserve="1">
+<p:sldLayout xmlns:a="http://schemas.openxmlformats.org/drawingml/2006/main" xmlns:r="http://schemas.openxmlformats.org/officeDocument/2006/relationships" xmlns:p="http://schemas.openxmlformats.org/presentationml/2006/main" type="fourObj" preserve="1">
   <p:cSld name="Title, 4 Content">
     <p:spTree>
       <p:nvGrpSpPr>
@@ -2629,7 +2879,8 @@
           </a:prstGeom>
         </p:spPr>
         <p:txBody>
-          <a:bodyPr lIns="0" rIns="0" tIns="0" bIns="0" anchor="ctr"/>
+          <a:bodyPr lIns="0" tIns="0" rIns="0" bIns="0" anchor="ctr"/>
+          <a:lstStyle/>
           <a:p>
             <a:endParaRPr/>
           </a:p>
@@ -2655,7 +2906,8 @@
           </a:prstGeom>
         </p:spPr>
         <p:txBody>
-          <a:bodyPr lIns="0" rIns="0" tIns="0" bIns="0"/>
+          <a:bodyPr lIns="0" tIns="0" rIns="0" bIns="0"/>
+          <a:lstStyle/>
           <a:p>
             <a:endParaRPr/>
           </a:p>
@@ -2681,7 +2933,8 @@
           </a:prstGeom>
         </p:spPr>
         <p:txBody>
-          <a:bodyPr lIns="0" rIns="0" tIns="0" bIns="0"/>
+          <a:bodyPr lIns="0" tIns="0" rIns="0" bIns="0"/>
+          <a:lstStyle/>
           <a:p>
             <a:endParaRPr/>
           </a:p>
@@ -2707,7 +2960,8 @@
           </a:prstGeom>
         </p:spPr>
         <p:txBody>
-          <a:bodyPr lIns="0" rIns="0" tIns="0" bIns="0"/>
+          <a:bodyPr lIns="0" tIns="0" rIns="0" bIns="0"/>
+          <a:lstStyle/>
           <a:p>
             <a:endParaRPr/>
           </a:p>
@@ -2733,7 +2987,8 @@
           </a:prstGeom>
         </p:spPr>
         <p:txBody>
-          <a:bodyPr lIns="0" rIns="0" tIns="0" bIns="0"/>
+          <a:bodyPr lIns="0" tIns="0" rIns="0" bIns="0"/>
+          <a:lstStyle/>
           <a:p>
             <a:endParaRPr/>
           </a:p>
@@ -2741,11 +2996,14 @@
       </p:sp>
     </p:spTree>
   </p:cSld>
+  <p:clrMapOvr>
+    <a:masterClrMapping/>
+  </p:clrMapOvr>
 </p:sldLayout>
 </file>
 
 <file path=ppt/slideLayouts/slideLayout36.xml><?xml version="1.0" encoding="utf-8"?>
-<p:sldLayout xmlns:a="http://schemas.openxmlformats.org/drawingml/2006/main" xmlns:p="http://schemas.openxmlformats.org/presentationml/2006/main" xmlns:r="http://schemas.openxmlformats.org/officeDocument/2006/relationships" type="blank" preserve="1">
+<p:sldLayout xmlns:a="http://schemas.openxmlformats.org/drawingml/2006/main" xmlns:r="http://schemas.openxmlformats.org/officeDocument/2006/relationships" xmlns:p="http://schemas.openxmlformats.org/presentationml/2006/main" type="blank" preserve="1">
   <p:cSld name="Title, 6 Content">
     <p:spTree>
       <p:nvGrpSpPr>
@@ -2781,7 +3039,8 @@
           </a:prstGeom>
         </p:spPr>
         <p:txBody>
-          <a:bodyPr lIns="0" rIns="0" tIns="0" bIns="0" anchor="ctr"/>
+          <a:bodyPr lIns="0" tIns="0" rIns="0" bIns="0" anchor="ctr"/>
+          <a:lstStyle/>
           <a:p>
             <a:endParaRPr/>
           </a:p>
@@ -2807,7 +3066,8 @@
           </a:prstGeom>
         </p:spPr>
         <p:txBody>
-          <a:bodyPr lIns="0" rIns="0" tIns="0" bIns="0"/>
+          <a:bodyPr lIns="0" tIns="0" rIns="0" bIns="0"/>
+          <a:lstStyle/>
           <a:p>
             <a:endParaRPr/>
           </a:p>
@@ -2833,7 +3093,8 @@
           </a:prstGeom>
         </p:spPr>
         <p:txBody>
-          <a:bodyPr lIns="0" rIns="0" tIns="0" bIns="0"/>
+          <a:bodyPr lIns="0" tIns="0" rIns="0" bIns="0"/>
+          <a:lstStyle/>
           <a:p>
             <a:endParaRPr/>
           </a:p>
@@ -2841,7 +3102,7 @@
       </p:sp>
       <p:pic>
         <p:nvPicPr>
-          <p:cNvPr id="115" name="" descr=""/>
+          <p:cNvPr id="115" name="Picture 114"/>
           <p:cNvPicPr/>
           <p:nvPr/>
         </p:nvPicPr>
@@ -2866,12 +3127,12 @@
       </p:pic>
       <p:pic>
         <p:nvPicPr>
-          <p:cNvPr id="116" name="" descr=""/>
+          <p:cNvPr id="116" name="Picture 115"/>
           <p:cNvPicPr/>
           <p:nvPr/>
         </p:nvPicPr>
         <p:blipFill>
-          <a:blip r:embed="rId3"/>
+          <a:blip r:embed="rId2"/>
           <a:stretch>
             <a:fillRect/>
           </a:stretch>
@@ -2891,11 +3152,14 @@
       </p:pic>
     </p:spTree>
   </p:cSld>
+  <p:clrMapOvr>
+    <a:masterClrMapping/>
+  </p:clrMapOvr>
 </p:sldLayout>
 </file>
 
 <file path=ppt/slideLayouts/slideLayout4.xml><?xml version="1.0" encoding="utf-8"?>
-<p:sldLayout xmlns:a="http://schemas.openxmlformats.org/drawingml/2006/main" xmlns:p="http://schemas.openxmlformats.org/presentationml/2006/main" xmlns:r="http://schemas.openxmlformats.org/officeDocument/2006/relationships" type="twoObj" preserve="1">
+<p:sldLayout xmlns:a="http://schemas.openxmlformats.org/drawingml/2006/main" xmlns:r="http://schemas.openxmlformats.org/officeDocument/2006/relationships" xmlns:p="http://schemas.openxmlformats.org/presentationml/2006/main" type="twoObj" preserve="1">
   <p:cSld name="Title, 2 Content">
     <p:spTree>
       <p:nvGrpSpPr>
@@ -2931,7 +3195,8 @@
           </a:prstGeom>
         </p:spPr>
         <p:txBody>
-          <a:bodyPr lIns="0" rIns="0" tIns="0" bIns="0" anchor="ctr"/>
+          <a:bodyPr lIns="0" tIns="0" rIns="0" bIns="0" anchor="ctr"/>
+          <a:lstStyle/>
           <a:p>
             <a:endParaRPr/>
           </a:p>
@@ -2957,7 +3222,8 @@
           </a:prstGeom>
         </p:spPr>
         <p:txBody>
-          <a:bodyPr lIns="0" rIns="0" tIns="0" bIns="0"/>
+          <a:bodyPr lIns="0" tIns="0" rIns="0" bIns="0"/>
+          <a:lstStyle/>
           <a:p>
             <a:endParaRPr/>
           </a:p>
@@ -2983,7 +3249,8 @@
           </a:prstGeom>
         </p:spPr>
         <p:txBody>
-          <a:bodyPr lIns="0" rIns="0" tIns="0" bIns="0"/>
+          <a:bodyPr lIns="0" tIns="0" rIns="0" bIns="0"/>
+          <a:lstStyle/>
           <a:p>
             <a:endParaRPr/>
           </a:p>
@@ -2991,11 +3258,14 @@
       </p:sp>
     </p:spTree>
   </p:cSld>
+  <p:clrMapOvr>
+    <a:masterClrMapping/>
+  </p:clrMapOvr>
 </p:sldLayout>
 </file>
 
 <file path=ppt/slideLayouts/slideLayout5.xml><?xml version="1.0" encoding="utf-8"?>
-<p:sldLayout xmlns:a="http://schemas.openxmlformats.org/drawingml/2006/main" xmlns:p="http://schemas.openxmlformats.org/presentationml/2006/main" xmlns:r="http://schemas.openxmlformats.org/officeDocument/2006/relationships" type="titleOnly" preserve="1">
+<p:sldLayout xmlns:a="http://schemas.openxmlformats.org/drawingml/2006/main" xmlns:r="http://schemas.openxmlformats.org/officeDocument/2006/relationships" xmlns:p="http://schemas.openxmlformats.org/presentationml/2006/main" type="titleOnly" preserve="1">
   <p:cSld name="Title Only">
     <p:spTree>
       <p:nvGrpSpPr>
@@ -3031,7 +3301,8 @@
           </a:prstGeom>
         </p:spPr>
         <p:txBody>
-          <a:bodyPr lIns="0" rIns="0" tIns="0" bIns="0" anchor="ctr"/>
+          <a:bodyPr lIns="0" tIns="0" rIns="0" bIns="0" anchor="ctr"/>
+          <a:lstStyle/>
           <a:p>
             <a:endParaRPr/>
           </a:p>
@@ -3039,11 +3310,14 @@
       </p:sp>
     </p:spTree>
   </p:cSld>
+  <p:clrMapOvr>
+    <a:masterClrMapping/>
+  </p:clrMapOvr>
 </p:sldLayout>
 </file>
 
 <file path=ppt/slideLayouts/slideLayout6.xml><?xml version="1.0" encoding="utf-8"?>
-<p:sldLayout xmlns:a="http://schemas.openxmlformats.org/drawingml/2006/main" xmlns:p="http://schemas.openxmlformats.org/presentationml/2006/main" xmlns:r="http://schemas.openxmlformats.org/officeDocument/2006/relationships" type="objOnly" preserve="1">
+<p:sldLayout xmlns:a="http://schemas.openxmlformats.org/drawingml/2006/main" xmlns:r="http://schemas.openxmlformats.org/officeDocument/2006/relationships" xmlns:p="http://schemas.openxmlformats.org/presentationml/2006/main" type="objOnly" preserve="1">
   <p:cSld name="Centered Text">
     <p:spTree>
       <p:nvGrpSpPr>
@@ -3079,7 +3353,8 @@
           </a:prstGeom>
         </p:spPr>
         <p:txBody>
-          <a:bodyPr lIns="0" rIns="0" tIns="0" bIns="0" anchor="ctr"/>
+          <a:bodyPr lIns="0" tIns="0" rIns="0" bIns="0" anchor="ctr"/>
+          <a:lstStyle/>
           <a:p>
             <a:pPr algn="ctr"/>
             <a:endParaRPr/>
@@ -3088,11 +3363,14 @@
       </p:sp>
     </p:spTree>
   </p:cSld>
+  <p:clrMapOvr>
+    <a:masterClrMapping/>
+  </p:clrMapOvr>
 </p:sldLayout>
 </file>
 
 <file path=ppt/slideLayouts/slideLayout7.xml><?xml version="1.0" encoding="utf-8"?>
-<p:sldLayout xmlns:a="http://schemas.openxmlformats.org/drawingml/2006/main" xmlns:p="http://schemas.openxmlformats.org/presentationml/2006/main" xmlns:r="http://schemas.openxmlformats.org/officeDocument/2006/relationships" type="twoObjAndObj" preserve="1">
+<p:sldLayout xmlns:a="http://schemas.openxmlformats.org/drawingml/2006/main" xmlns:r="http://schemas.openxmlformats.org/officeDocument/2006/relationships" xmlns:p="http://schemas.openxmlformats.org/presentationml/2006/main" type="twoObjAndObj" preserve="1">
   <p:cSld name="Title, 2 Content and Content">
     <p:spTree>
       <p:nvGrpSpPr>
@@ -3128,7 +3406,8 @@
           </a:prstGeom>
         </p:spPr>
         <p:txBody>
-          <a:bodyPr lIns="0" rIns="0" tIns="0" bIns="0" anchor="ctr"/>
+          <a:bodyPr lIns="0" tIns="0" rIns="0" bIns="0" anchor="ctr"/>
+          <a:lstStyle/>
           <a:p>
             <a:endParaRPr/>
           </a:p>
@@ -3154,7 +3433,8 @@
           </a:prstGeom>
         </p:spPr>
         <p:txBody>
-          <a:bodyPr lIns="0" rIns="0" tIns="0" bIns="0"/>
+          <a:bodyPr lIns="0" tIns="0" rIns="0" bIns="0"/>
+          <a:lstStyle/>
           <a:p>
             <a:endParaRPr/>
           </a:p>
@@ -3180,7 +3460,8 @@
           </a:prstGeom>
         </p:spPr>
         <p:txBody>
-          <a:bodyPr lIns="0" rIns="0" tIns="0" bIns="0"/>
+          <a:bodyPr lIns="0" tIns="0" rIns="0" bIns="0"/>
+          <a:lstStyle/>
           <a:p>
             <a:endParaRPr/>
           </a:p>
@@ -3206,7 +3487,8 @@
           </a:prstGeom>
         </p:spPr>
         <p:txBody>
-          <a:bodyPr lIns="0" rIns="0" tIns="0" bIns="0"/>
+          <a:bodyPr lIns="0" tIns="0" rIns="0" bIns="0"/>
+          <a:lstStyle/>
           <a:p>
             <a:endParaRPr/>
           </a:p>
@@ -3214,11 +3496,14 @@
       </p:sp>
     </p:spTree>
   </p:cSld>
+  <p:clrMapOvr>
+    <a:masterClrMapping/>
+  </p:clrMapOvr>
 </p:sldLayout>
 </file>
 
 <file path=ppt/slideLayouts/slideLayout8.xml><?xml version="1.0" encoding="utf-8"?>
-<p:sldLayout xmlns:a="http://schemas.openxmlformats.org/drawingml/2006/main" xmlns:p="http://schemas.openxmlformats.org/presentationml/2006/main" xmlns:r="http://schemas.openxmlformats.org/officeDocument/2006/relationships" type="objAndTwoObj" preserve="1">
+<p:sldLayout xmlns:a="http://schemas.openxmlformats.org/drawingml/2006/main" xmlns:r="http://schemas.openxmlformats.org/officeDocument/2006/relationships" xmlns:p="http://schemas.openxmlformats.org/presentationml/2006/main" type="objAndTwoObj" preserve="1">
   <p:cSld name="Title Content and 2 Content">
     <p:spTree>
       <p:nvGrpSpPr>
@@ -3254,7 +3539,8 @@
           </a:prstGeom>
         </p:spPr>
         <p:txBody>
-          <a:bodyPr lIns="0" rIns="0" tIns="0" bIns="0" anchor="ctr"/>
+          <a:bodyPr lIns="0" tIns="0" rIns="0" bIns="0" anchor="ctr"/>
+          <a:lstStyle/>
           <a:p>
             <a:endParaRPr/>
           </a:p>
@@ -3280,7 +3566,8 @@
           </a:prstGeom>
         </p:spPr>
         <p:txBody>
-          <a:bodyPr lIns="0" rIns="0" tIns="0" bIns="0"/>
+          <a:bodyPr lIns="0" tIns="0" rIns="0" bIns="0"/>
+          <a:lstStyle/>
           <a:p>
             <a:endParaRPr/>
           </a:p>
@@ -3306,7 +3593,8 @@
           </a:prstGeom>
         </p:spPr>
         <p:txBody>
-          <a:bodyPr lIns="0" rIns="0" tIns="0" bIns="0"/>
+          <a:bodyPr lIns="0" tIns="0" rIns="0" bIns="0"/>
+          <a:lstStyle/>
           <a:p>
             <a:endParaRPr/>
           </a:p>
@@ -3332,7 +3620,8 @@
           </a:prstGeom>
         </p:spPr>
         <p:txBody>
-          <a:bodyPr lIns="0" rIns="0" tIns="0" bIns="0"/>
+          <a:bodyPr lIns="0" tIns="0" rIns="0" bIns="0"/>
+          <a:lstStyle/>
           <a:p>
             <a:endParaRPr/>
           </a:p>
@@ -3340,11 +3629,14 @@
       </p:sp>
     </p:spTree>
   </p:cSld>
+  <p:clrMapOvr>
+    <a:masterClrMapping/>
+  </p:clrMapOvr>
 </p:sldLayout>
 </file>
 
 <file path=ppt/slideLayouts/slideLayout9.xml><?xml version="1.0" encoding="utf-8"?>
-<p:sldLayout xmlns:a="http://schemas.openxmlformats.org/drawingml/2006/main" xmlns:p="http://schemas.openxmlformats.org/presentationml/2006/main" xmlns:r="http://schemas.openxmlformats.org/officeDocument/2006/relationships" type="twoObjOverTx" preserve="1">
+<p:sldLayout xmlns:a="http://schemas.openxmlformats.org/drawingml/2006/main" xmlns:r="http://schemas.openxmlformats.org/officeDocument/2006/relationships" xmlns:p="http://schemas.openxmlformats.org/presentationml/2006/main" type="twoObjOverTx" preserve="1">
   <p:cSld name="Title, 2 Content over Content">
     <p:spTree>
       <p:nvGrpSpPr>
@@ -3380,7 +3672,8 @@
           </a:prstGeom>
         </p:spPr>
         <p:txBody>
-          <a:bodyPr lIns="0" rIns="0" tIns="0" bIns="0" anchor="ctr"/>
+          <a:bodyPr lIns="0" tIns="0" rIns="0" bIns="0" anchor="ctr"/>
+          <a:lstStyle/>
           <a:p>
             <a:endParaRPr/>
           </a:p>
@@ -3406,7 +3699,8 @@
           </a:prstGeom>
         </p:spPr>
         <p:txBody>
-          <a:bodyPr lIns="0" rIns="0" tIns="0" bIns="0"/>
+          <a:bodyPr lIns="0" tIns="0" rIns="0" bIns="0"/>
+          <a:lstStyle/>
           <a:p>
             <a:endParaRPr/>
           </a:p>
@@ -3432,7 +3726,8 @@
           </a:prstGeom>
         </p:spPr>
         <p:txBody>
-          <a:bodyPr lIns="0" rIns="0" tIns="0" bIns="0"/>
+          <a:bodyPr lIns="0" tIns="0" rIns="0" bIns="0"/>
+          <a:lstStyle/>
           <a:p>
             <a:endParaRPr/>
           </a:p>
@@ -3458,7 +3753,8 @@
           </a:prstGeom>
         </p:spPr>
         <p:txBody>
-          <a:bodyPr lIns="0" rIns="0" tIns="0" bIns="0"/>
+          <a:bodyPr lIns="0" tIns="0" rIns="0" bIns="0"/>
+          <a:lstStyle/>
           <a:p>
             <a:endParaRPr/>
           </a:p>
@@ -3466,17 +3762,21 @@
       </p:sp>
     </p:spTree>
   </p:cSld>
+  <p:clrMapOvr>
+    <a:masterClrMapping/>
+  </p:clrMapOvr>
 </p:sldLayout>
 </file>
 
 <file path=ppt/slideMasters/slideMaster1.xml><?xml version="1.0" encoding="utf-8"?>
-<p:sldMaster xmlns:a="http://schemas.openxmlformats.org/drawingml/2006/main" xmlns:p="http://schemas.openxmlformats.org/presentationml/2006/main" xmlns:r="http://schemas.openxmlformats.org/officeDocument/2006/relationships">
+<p:sldMaster xmlns:a="http://schemas.openxmlformats.org/drawingml/2006/main" xmlns:r="http://schemas.openxmlformats.org/officeDocument/2006/relationships" xmlns:p="http://schemas.openxmlformats.org/presentationml/2006/main">
   <p:cSld>
     <p:bg>
       <p:bgPr>
         <a:solidFill>
-          <a:srgbClr val="ffffff"/>
+          <a:srgbClr val="FFFFFF"/>
         </a:solidFill>
+        <a:effectLst/>
       </p:bgPr>
     </p:bg>
     <p:spTree>
@@ -3495,12 +3795,12 @@
       </p:grpSpPr>
       <p:pic>
         <p:nvPicPr>
-          <p:cNvPr id="0" name="Picture 9" descr=""/>
+          <p:cNvPr id="5" name="Picture 9"/>
           <p:cNvPicPr/>
           <p:nvPr/>
         </p:nvPicPr>
         <p:blipFill>
-          <a:blip r:embed="rId2"/>
+          <a:blip r:embed="rId14"/>
           <a:stretch>
             <a:fillRect/>
           </a:stretch>
@@ -3520,7 +3820,7 @@
       </p:pic>
       <p:sp>
         <p:nvSpPr>
-          <p:cNvPr id="1" name="CustomShape 1"/>
+          <p:cNvPr id="6" name="CustomShape 1"/>
           <p:cNvSpPr/>
           <p:nvPr/>
         </p:nvSpPr>
@@ -3538,7 +3838,8 @@
           </a:ln>
         </p:spPr>
         <p:txBody>
-          <a:bodyPr lIns="90000" rIns="90000" tIns="45000" bIns="45000"/>
+          <a:bodyPr lIns="90000" tIns="45000" rIns="90000" bIns="45000"/>
+          <a:lstStyle/>
           <a:p>
             <a:pPr algn="ctr">
               <a:lnSpc>
@@ -3546,7 +3847,7 @@
               </a:lnSpc>
             </a:pPr>
             <a:r>
-              <a:rPr lang="en-US">
+              <a:rPr lang="en-US" dirty="0">
                 <a:solidFill>
                   <a:srgbClr val="000000"/>
                 </a:solidFill>
@@ -3554,7 +3855,7 @@
               </a:rPr>
               <a:t>devoxx4kids.com</a:t>
             </a:r>
-            <a:endParaRPr/>
+            <a:endParaRPr dirty="0"/>
           </a:p>
         </p:txBody>
       </p:sp>
@@ -3574,7 +3875,7 @@
           </a:prstGeom>
           <a:ln w="25560">
             <a:solidFill>
-              <a:srgbClr val="f3a426"/>
+              <a:srgbClr val="F3A426"/>
             </a:solidFill>
             <a:round/>
           </a:ln>
@@ -3600,7 +3901,8 @@
           </a:prstGeom>
         </p:spPr>
         <p:txBody>
-          <a:bodyPr lIns="0" rIns="0" tIns="0" bIns="0" anchor="ctr"/>
+          <a:bodyPr lIns="0" tIns="0" rIns="0" bIns="0" anchor="ctr"/>
+          <a:lstStyle/>
           <a:p>
             <a:r>
               <a:rPr lang="en-US">
@@ -3632,7 +3934,8 @@
           </a:prstGeom>
         </p:spPr>
         <p:txBody>
-          <a:bodyPr lIns="0" rIns="0" tIns="0" bIns="0"/>
+          <a:bodyPr lIns="0" tIns="0" rIns="0" bIns="0"/>
+          <a:lstStyle/>
           <a:p>
             <a:pPr>
               <a:buSzPct val="45000"/>
@@ -3735,32 +4038,38 @@
       </p:sp>
     </p:spTree>
   </p:cSld>
-  <p:clrMap bg1="lt1" bg2="lt2" tx1="dk1" tx2="dk2" accent1="accent1" accent2="accent2" accent3="accent3" accent4="accent4" accent5="accent5" accent6="accent6" hlink="hlink" folHlink="folHlink"/>
+  <p:clrMap bg1="lt1" tx1="dk1" bg2="lt2" tx2="dk2" accent1="accent1" accent2="accent2" accent3="accent3" accent4="accent4" accent5="accent5" accent6="accent6" hlink="hlink" folHlink="folHlink"/>
   <p:sldLayoutIdLst>
-    <p:sldLayoutId id="2147483649" r:id="rId3"/>
-    <p:sldLayoutId id="2147483650" r:id="rId4"/>
-    <p:sldLayoutId id="2147483651" r:id="rId5"/>
-    <p:sldLayoutId id="2147483652" r:id="rId6"/>
-    <p:sldLayoutId id="2147483653" r:id="rId7"/>
-    <p:sldLayoutId id="2147483654" r:id="rId8"/>
-    <p:sldLayoutId id="2147483655" r:id="rId9"/>
-    <p:sldLayoutId id="2147483656" r:id="rId10"/>
-    <p:sldLayoutId id="2147483657" r:id="rId11"/>
-    <p:sldLayoutId id="2147483658" r:id="rId12"/>
-    <p:sldLayoutId id="2147483659" r:id="rId13"/>
-    <p:sldLayoutId id="2147483660" r:id="rId14"/>
+    <p:sldLayoutId id="2147483649" r:id="rId1"/>
+    <p:sldLayoutId id="2147483650" r:id="rId2"/>
+    <p:sldLayoutId id="2147483651" r:id="rId3"/>
+    <p:sldLayoutId id="2147483652" r:id="rId4"/>
+    <p:sldLayoutId id="2147483653" r:id="rId5"/>
+    <p:sldLayoutId id="2147483654" r:id="rId6"/>
+    <p:sldLayoutId id="2147483655" r:id="rId7"/>
+    <p:sldLayoutId id="2147483656" r:id="rId8"/>
+    <p:sldLayoutId id="2147483657" r:id="rId9"/>
+    <p:sldLayoutId id="2147483658" r:id="rId10"/>
+    <p:sldLayoutId id="2147483659" r:id="rId11"/>
+    <p:sldLayoutId id="2147483660" r:id="rId12"/>
   </p:sldLayoutIdLst>
+  <p:txStyles>
+    <p:titleStyle/>
+    <p:bodyStyle/>
+    <p:otherStyle/>
+  </p:txStyles>
 </p:sldMaster>
 </file>
 
 <file path=ppt/slideMasters/slideMaster2.xml><?xml version="1.0" encoding="utf-8"?>
-<p:sldMaster xmlns:a="http://schemas.openxmlformats.org/drawingml/2006/main" xmlns:p="http://schemas.openxmlformats.org/presentationml/2006/main" xmlns:r="http://schemas.openxmlformats.org/officeDocument/2006/relationships">
+<p:sldMaster xmlns:a="http://schemas.openxmlformats.org/drawingml/2006/main" xmlns:r="http://schemas.openxmlformats.org/officeDocument/2006/relationships" xmlns:p="http://schemas.openxmlformats.org/presentationml/2006/main">
   <p:cSld>
     <p:bg>
       <p:bgPr>
         <a:solidFill>
-          <a:srgbClr val="ffffff"/>
+          <a:srgbClr val="FFFFFF"/>
         </a:solidFill>
+        <a:effectLst/>
       </p:bgPr>
     </p:bg>
     <p:spTree>
@@ -3797,7 +4106,8 @@
           </a:prstGeom>
         </p:spPr>
         <p:txBody>
-          <a:bodyPr lIns="90000" rIns="90000" tIns="45000" bIns="45000"/>
+          <a:bodyPr lIns="90000" tIns="45000" rIns="90000" bIns="45000"/>
+          <a:lstStyle/>
           <a:p>
             <a:pPr>
               <a:lnSpc>
@@ -3805,9 +4115,9 @@
               </a:lnSpc>
             </a:pPr>
             <a:r>
-              <a:rPr b="1" lang="en-US" sz="4400">
-                <a:solidFill>
-                  <a:srgbClr val="f3a426"/>
+              <a:rPr lang="en-US" sz="4400" b="1">
+                <a:solidFill>
+                  <a:srgbClr val="F3A426"/>
                 </a:solidFill>
                 <a:latin typeface="Verdana"/>
               </a:rPr>
@@ -3837,7 +4147,8 @@
           </a:prstGeom>
         </p:spPr>
         <p:txBody>
-          <a:bodyPr lIns="90000" rIns="90000" tIns="45000" bIns="45000"/>
+          <a:bodyPr lIns="90000" tIns="45000" rIns="90000" bIns="45000"/>
+          <a:lstStyle/>
           <a:p>
             <a:pPr>
               <a:buSzPct val="45000"/>
@@ -4039,12 +4350,12 @@
       </p:sp>
       <p:pic>
         <p:nvPicPr>
-          <p:cNvPr id="41" name="Picture 7" descr=""/>
+          <p:cNvPr id="41" name="Picture 7"/>
           <p:cNvPicPr/>
           <p:nvPr/>
         </p:nvPicPr>
         <p:blipFill>
-          <a:blip r:embed="rId2"/>
+          <a:blip r:embed="rId14"/>
           <a:stretch>
             <a:fillRect/>
           </a:stretch>
@@ -4082,7 +4393,8 @@
           </a:ln>
         </p:spPr>
         <p:txBody>
-          <a:bodyPr lIns="90000" rIns="90000" tIns="45000" bIns="45000"/>
+          <a:bodyPr lIns="90000" tIns="45000" rIns="90000" bIns="45000"/>
+          <a:lstStyle/>
           <a:p>
             <a:pPr algn="ctr">
               <a:lnSpc>
@@ -4090,7 +4402,7 @@
               </a:lnSpc>
             </a:pPr>
             <a:r>
-              <a:rPr lang="en-US">
+              <a:rPr lang="en-US" dirty="0">
                 <a:solidFill>
                   <a:srgbClr val="000000"/>
                 </a:solidFill>
@@ -4098,7 +4410,7 @@
               </a:rPr>
               <a:t>devoxx4kids.com</a:t>
             </a:r>
-            <a:endParaRPr/>
+            <a:endParaRPr dirty="0"/>
           </a:p>
         </p:txBody>
       </p:sp>
@@ -4118,7 +4430,7 @@
           </a:prstGeom>
           <a:ln w="25560">
             <a:solidFill>
-              <a:srgbClr val="f3a426"/>
+              <a:srgbClr val="F3A426"/>
             </a:solidFill>
             <a:round/>
           </a:ln>
@@ -4126,32 +4438,38 @@
       </p:sp>
     </p:spTree>
   </p:cSld>
-  <p:clrMap bg1="lt1" bg2="lt2" tx1="dk1" tx2="dk2" accent1="accent1" accent2="accent2" accent3="accent3" accent4="accent4" accent5="accent5" accent6="accent6" hlink="hlink" folHlink="folHlink"/>
+  <p:clrMap bg1="lt1" tx1="dk1" bg2="lt2" tx2="dk2" accent1="accent1" accent2="accent2" accent3="accent3" accent4="accent4" accent5="accent5" accent6="accent6" hlink="hlink" folHlink="folHlink"/>
   <p:sldLayoutIdLst>
-    <p:sldLayoutId id="2147483662" r:id="rId3"/>
-    <p:sldLayoutId id="2147483663" r:id="rId4"/>
-    <p:sldLayoutId id="2147483664" r:id="rId5"/>
-    <p:sldLayoutId id="2147483665" r:id="rId6"/>
-    <p:sldLayoutId id="2147483666" r:id="rId7"/>
-    <p:sldLayoutId id="2147483667" r:id="rId8"/>
-    <p:sldLayoutId id="2147483668" r:id="rId9"/>
-    <p:sldLayoutId id="2147483669" r:id="rId10"/>
-    <p:sldLayoutId id="2147483670" r:id="rId11"/>
-    <p:sldLayoutId id="2147483671" r:id="rId12"/>
-    <p:sldLayoutId id="2147483672" r:id="rId13"/>
-    <p:sldLayoutId id="2147483673" r:id="rId14"/>
+    <p:sldLayoutId id="2147483662" r:id="rId1"/>
+    <p:sldLayoutId id="2147483663" r:id="rId2"/>
+    <p:sldLayoutId id="2147483664" r:id="rId3"/>
+    <p:sldLayoutId id="2147483665" r:id="rId4"/>
+    <p:sldLayoutId id="2147483666" r:id="rId5"/>
+    <p:sldLayoutId id="2147483667" r:id="rId6"/>
+    <p:sldLayoutId id="2147483668" r:id="rId7"/>
+    <p:sldLayoutId id="2147483669" r:id="rId8"/>
+    <p:sldLayoutId id="2147483670" r:id="rId9"/>
+    <p:sldLayoutId id="2147483671" r:id="rId10"/>
+    <p:sldLayoutId id="2147483672" r:id="rId11"/>
+    <p:sldLayoutId id="2147483673" r:id="rId12"/>
   </p:sldLayoutIdLst>
+  <p:txStyles>
+    <p:titleStyle/>
+    <p:bodyStyle/>
+    <p:otherStyle/>
+  </p:txStyles>
 </p:sldMaster>
 </file>
 
 <file path=ppt/slideMasters/slideMaster3.xml><?xml version="1.0" encoding="utf-8"?>
-<p:sldMaster xmlns:a="http://schemas.openxmlformats.org/drawingml/2006/main" xmlns:p="http://schemas.openxmlformats.org/presentationml/2006/main" xmlns:r="http://schemas.openxmlformats.org/officeDocument/2006/relationships">
+<p:sldMaster xmlns:a="http://schemas.openxmlformats.org/drawingml/2006/main" xmlns:r="http://schemas.openxmlformats.org/officeDocument/2006/relationships" xmlns:p="http://schemas.openxmlformats.org/presentationml/2006/main">
   <p:cSld>
     <p:bg>
       <p:bgPr>
         <a:solidFill>
-          <a:srgbClr val="ffffff"/>
+          <a:srgbClr val="FFFFFF"/>
         </a:solidFill>
+        <a:effectLst/>
       </p:bgPr>
     </p:bg>
     <p:spTree>
@@ -4188,7 +4506,8 @@
           </a:prstGeom>
         </p:spPr>
         <p:txBody>
-          <a:bodyPr lIns="90000" rIns="90000" tIns="45000" bIns="45000"/>
+          <a:bodyPr lIns="90000" tIns="45000" rIns="90000" bIns="45000"/>
+          <a:lstStyle/>
           <a:p>
             <a:pPr algn="ctr">
               <a:lnSpc>
@@ -4210,12 +4529,12 @@
       </p:sp>
       <p:pic>
         <p:nvPicPr>
-          <p:cNvPr id="79" name="Picture 8" descr=""/>
+          <p:cNvPr id="79" name="Picture 8"/>
           <p:cNvPicPr/>
           <p:nvPr/>
         </p:nvPicPr>
         <p:blipFill>
-          <a:blip r:embed="rId2"/>
+          <a:blip r:embed="rId14"/>
           <a:stretch>
             <a:fillRect/>
           </a:stretch>
@@ -4273,7 +4592,8 @@
           </a:ln>
         </p:spPr>
         <p:txBody>
-          <a:bodyPr lIns="90000" rIns="90000" tIns="45000" bIns="45000"/>
+          <a:bodyPr lIns="90000" tIns="45000" rIns="90000" bIns="45000"/>
+          <a:lstStyle/>
           <a:p>
             <a:pPr algn="ctr">
               <a:lnSpc>
@@ -4281,7 +4601,7 @@
               </a:lnSpc>
             </a:pPr>
             <a:r>
-              <a:rPr lang="en-US">
+              <a:rPr lang="en-US" dirty="0">
                 <a:solidFill>
                   <a:srgbClr val="000000"/>
                 </a:solidFill>
@@ -4289,7 +4609,7 @@
               </a:rPr>
               <a:t>www.devoxx4kids.com</a:t>
             </a:r>
-            <a:endParaRPr/>
+            <a:endParaRPr dirty="0"/>
           </a:p>
         </p:txBody>
       </p:sp>
@@ -4313,7 +4633,8 @@
           </a:prstGeom>
         </p:spPr>
         <p:txBody>
-          <a:bodyPr lIns="0" rIns="0" tIns="0" bIns="0"/>
+          <a:bodyPr lIns="0" tIns="0" rIns="0" bIns="0"/>
+          <a:lstStyle/>
           <a:p>
             <a:pPr>
               <a:buSzPct val="45000"/>
@@ -4416,26 +4737,31 @@
       </p:sp>
     </p:spTree>
   </p:cSld>
-  <p:clrMap bg1="lt1" bg2="lt2" tx1="dk1" tx2="dk2" accent1="accent1" accent2="accent2" accent3="accent3" accent4="accent4" accent5="accent5" accent6="accent6" hlink="hlink" folHlink="folHlink"/>
+  <p:clrMap bg1="lt1" tx1="dk1" bg2="lt2" tx2="dk2" accent1="accent1" accent2="accent2" accent3="accent3" accent4="accent4" accent5="accent5" accent6="accent6" hlink="hlink" folHlink="folHlink"/>
   <p:sldLayoutIdLst>
-    <p:sldLayoutId id="2147483675" r:id="rId3"/>
-    <p:sldLayoutId id="2147483676" r:id="rId4"/>
-    <p:sldLayoutId id="2147483677" r:id="rId5"/>
-    <p:sldLayoutId id="2147483678" r:id="rId6"/>
-    <p:sldLayoutId id="2147483679" r:id="rId7"/>
-    <p:sldLayoutId id="2147483680" r:id="rId8"/>
-    <p:sldLayoutId id="2147483681" r:id="rId9"/>
-    <p:sldLayoutId id="2147483682" r:id="rId10"/>
-    <p:sldLayoutId id="2147483683" r:id="rId11"/>
-    <p:sldLayoutId id="2147483684" r:id="rId12"/>
-    <p:sldLayoutId id="2147483685" r:id="rId13"/>
-    <p:sldLayoutId id="2147483686" r:id="rId14"/>
+    <p:sldLayoutId id="2147483675" r:id="rId1"/>
+    <p:sldLayoutId id="2147483676" r:id="rId2"/>
+    <p:sldLayoutId id="2147483677" r:id="rId3"/>
+    <p:sldLayoutId id="2147483678" r:id="rId4"/>
+    <p:sldLayoutId id="2147483679" r:id="rId5"/>
+    <p:sldLayoutId id="2147483680" r:id="rId6"/>
+    <p:sldLayoutId id="2147483681" r:id="rId7"/>
+    <p:sldLayoutId id="2147483682" r:id="rId8"/>
+    <p:sldLayoutId id="2147483683" r:id="rId9"/>
+    <p:sldLayoutId id="2147483684" r:id="rId10"/>
+    <p:sldLayoutId id="2147483685" r:id="rId11"/>
+    <p:sldLayoutId id="2147483686" r:id="rId12"/>
   </p:sldLayoutIdLst>
+  <p:txStyles>
+    <p:titleStyle/>
+    <p:bodyStyle/>
+    <p:otherStyle/>
+  </p:txStyles>
 </p:sldMaster>
 </file>
 
 <file path=ppt/slides/slide1.xml><?xml version="1.0" encoding="utf-8"?>
-<p:sld xmlns:a="http://schemas.openxmlformats.org/drawingml/2006/main" xmlns:p="http://schemas.openxmlformats.org/presentationml/2006/main" xmlns:r="http://schemas.openxmlformats.org/officeDocument/2006/relationships">
+<p:sld xmlns:a="http://schemas.openxmlformats.org/drawingml/2006/main" xmlns:r="http://schemas.openxmlformats.org/officeDocument/2006/relationships" xmlns:p="http://schemas.openxmlformats.org/presentationml/2006/main">
   <p:cSld>
     <p:spTree>
       <p:nvGrpSpPr>
@@ -4453,32 +4779,7 @@
       </p:grpSpPr>
       <p:pic>
         <p:nvPicPr>
-          <p:cNvPr id="117" name="Picture 3" descr=""/>
-          <p:cNvPicPr/>
-          <p:nvPr/>
-        </p:nvPicPr>
-        <p:blipFill>
-          <a:blip r:embed="rId1"/>
-          <a:stretch>
-            <a:fillRect/>
-          </a:stretch>
-        </p:blipFill>
-        <p:spPr>
-          <a:xfrm>
-            <a:off x="1685520" y="714600"/>
-            <a:ext cx="1865880" cy="545760"/>
-          </a:xfrm>
-          <a:prstGeom prst="rect">
-            <a:avLst/>
-          </a:prstGeom>
-          <a:ln>
-            <a:noFill/>
-          </a:ln>
-        </p:spPr>
-      </p:pic>
-      <p:pic>
-        <p:nvPicPr>
-          <p:cNvPr id="118" name="Picture 4" descr=""/>
+          <p:cNvPr id="117" name="Picture 3"/>
           <p:cNvPicPr/>
           <p:nvPr/>
         </p:nvPicPr>
@@ -4490,8 +4791,8 @@
         </p:blipFill>
         <p:spPr>
           <a:xfrm>
-            <a:off x="2028240" y="1260720"/>
-            <a:ext cx="1180440" cy="1337400"/>
+            <a:off x="1685520" y="714600"/>
+            <a:ext cx="1865880" cy="545760"/>
           </a:xfrm>
           <a:prstGeom prst="rect">
             <a:avLst/>
@@ -4503,7 +4804,7 @@
       </p:pic>
       <p:pic>
         <p:nvPicPr>
-          <p:cNvPr id="119" name="image3.png" descr=""/>
+          <p:cNvPr id="118" name="Picture 4"/>
           <p:cNvPicPr/>
           <p:nvPr/>
         </p:nvPicPr>
@@ -4515,69 +4816,20 @@
         </p:blipFill>
         <p:spPr>
           <a:xfrm>
-            <a:off x="5344200" y="1610640"/>
-            <a:ext cx="1954800" cy="878400"/>
-          </a:xfrm>
-          <a:prstGeom prst="rect">
-            <a:avLst/>
-          </a:prstGeom>
-          <a:ln w="12600">
-            <a:noFill/>
-          </a:ln>
-        </p:spPr>
-      </p:pic>
-      <p:sp>
-        <p:nvSpPr>
-          <p:cNvPr id="120" name="CustomShape 1"/>
-          <p:cNvSpPr/>
-          <p:nvPr/>
-        </p:nvSpPr>
-        <p:spPr>
-          <a:xfrm>
-            <a:off x="3695760" y="1044720"/>
-            <a:ext cx="1377360" cy="1004760"/>
-          </a:xfrm>
-          <a:prstGeom prst="rect">
-            <a:avLst/>
-          </a:prstGeom>
-          <a:noFill/>
+            <a:off x="2028240" y="1260720"/>
+            <a:ext cx="1180440" cy="1337400"/>
+          </a:xfrm>
+          <a:prstGeom prst="rect">
+            <a:avLst/>
+          </a:prstGeom>
           <a:ln>
             <a:noFill/>
           </a:ln>
         </p:spPr>
-        <p:txBody>
-          <a:bodyPr wrap="none" lIns="90000" rIns="90000" tIns="45000" bIns="45000"/>
-          <a:p>
-            <a:pPr>
-              <a:lnSpc>
-                <a:spcPct val="100000"/>
-              </a:lnSpc>
-            </a:pPr>
-            <a:r>
-              <a:rPr b="1" lang="en-US" sz="6000">
-                <a:solidFill>
-                  <a:srgbClr val="f3a426"/>
-                </a:solidFill>
-                <a:latin typeface="Verdana"/>
-              </a:rPr>
-              <a:t>+</a:t>
-            </a:r>
-            <a:r>
-              <a:rPr lang="en-US" sz="6000">
-                <a:solidFill>
-                  <a:srgbClr val="f3a426"/>
-                </a:solidFill>
-                <a:latin typeface="Verdana"/>
-              </a:rPr>
-              <a:t>  </a:t>
-            </a:r>
-            <a:endParaRPr/>
-          </a:p>
-        </p:txBody>
-      </p:sp>
+      </p:pic>
       <p:pic>
         <p:nvPicPr>
-          <p:cNvPr id="121" name="Picture 7" descr=""/>
+          <p:cNvPr id="119" name="image3.png"/>
           <p:cNvPicPr/>
           <p:nvPr/>
         </p:nvPicPr>
@@ -4589,27 +4841,27 @@
         </p:blipFill>
         <p:spPr>
           <a:xfrm>
-            <a:off x="5132520" y="626760"/>
-            <a:ext cx="2345760" cy="909360"/>
-          </a:xfrm>
-          <a:prstGeom prst="rect">
-            <a:avLst/>
-          </a:prstGeom>
-          <a:ln>
+            <a:off x="5344200" y="1610640"/>
+            <a:ext cx="1954800" cy="878400"/>
+          </a:xfrm>
+          <a:prstGeom prst="rect">
+            <a:avLst/>
+          </a:prstGeom>
+          <a:ln w="12600">
             <a:noFill/>
           </a:ln>
         </p:spPr>
       </p:pic>
       <p:sp>
         <p:nvSpPr>
-          <p:cNvPr id="122" name="CustomShape 2"/>
+          <p:cNvPr id="120" name="CustomShape 1"/>
           <p:cNvSpPr/>
           <p:nvPr/>
         </p:nvSpPr>
         <p:spPr>
           <a:xfrm>
-            <a:off x="60120" y="3090600"/>
-            <a:ext cx="8767440" cy="1431000"/>
+            <a:off x="3695760" y="1044720"/>
+            <a:ext cx="1377360" cy="1004760"/>
           </a:xfrm>
           <a:prstGeom prst="rect">
             <a:avLst/>
@@ -4620,7 +4872,83 @@
           </a:ln>
         </p:spPr>
         <p:txBody>
-          <a:bodyPr wrap="none" lIns="90000" rIns="90000" tIns="45000" bIns="45000"/>
+          <a:bodyPr wrap="none" lIns="90000" tIns="45000" rIns="90000" bIns="45000"/>
+          <a:lstStyle/>
+          <a:p>
+            <a:pPr>
+              <a:lnSpc>
+                <a:spcPct val="100000"/>
+              </a:lnSpc>
+            </a:pPr>
+            <a:r>
+              <a:rPr lang="en-US" sz="6000" b="1" dirty="0">
+                <a:solidFill>
+                  <a:srgbClr val="F3A426"/>
+                </a:solidFill>
+                <a:latin typeface="Verdana"/>
+              </a:rPr>
+              <a:t>+</a:t>
+            </a:r>
+            <a:r>
+              <a:rPr lang="en-US" sz="6000" dirty="0">
+                <a:solidFill>
+                  <a:srgbClr val="F3A426"/>
+                </a:solidFill>
+                <a:latin typeface="Verdana"/>
+              </a:rPr>
+              <a:t>  </a:t>
+            </a:r>
+            <a:endParaRPr dirty="0"/>
+          </a:p>
+        </p:txBody>
+      </p:sp>
+      <p:pic>
+        <p:nvPicPr>
+          <p:cNvPr id="121" name="Picture 7"/>
+          <p:cNvPicPr/>
+          <p:nvPr/>
+        </p:nvPicPr>
+        <p:blipFill>
+          <a:blip r:embed="rId5"/>
+          <a:stretch>
+            <a:fillRect/>
+          </a:stretch>
+        </p:blipFill>
+        <p:spPr>
+          <a:xfrm>
+            <a:off x="5132520" y="626760"/>
+            <a:ext cx="2345760" cy="909360"/>
+          </a:xfrm>
+          <a:prstGeom prst="rect">
+            <a:avLst/>
+          </a:prstGeom>
+          <a:ln>
+            <a:noFill/>
+          </a:ln>
+        </p:spPr>
+      </p:pic>
+      <p:sp>
+        <p:nvSpPr>
+          <p:cNvPr id="122" name="CustomShape 2"/>
+          <p:cNvSpPr/>
+          <p:nvPr/>
+        </p:nvSpPr>
+        <p:spPr>
+          <a:xfrm>
+            <a:off x="60120" y="3090600"/>
+            <a:ext cx="8767440" cy="1431000"/>
+          </a:xfrm>
+          <a:prstGeom prst="rect">
+            <a:avLst/>
+          </a:prstGeom>
+          <a:noFill/>
+          <a:ln>
+            <a:noFill/>
+          </a:ln>
+        </p:spPr>
+        <p:txBody>
+          <a:bodyPr wrap="none" lIns="90000" tIns="45000" rIns="90000" bIns="45000"/>
+          <a:lstStyle/>
           <a:p>
             <a:pPr algn="ctr">
               <a:lnSpc>
@@ -4628,36 +4956,39 @@
               </a:lnSpc>
             </a:pPr>
             <a:r>
-              <a:rPr b="1" lang="en-US" sz="8800">
-                <a:solidFill>
-                  <a:srgbClr val="f3a426"/>
+              <a:rPr lang="en-US" sz="8800" b="1" dirty="0">
+                <a:solidFill>
+                  <a:srgbClr val="F3A426"/>
                 </a:solidFill>
                 <a:latin typeface="Calibri"/>
               </a:rPr>
               <a:t>Assignment 1</a:t>
             </a:r>
-            <a:endParaRPr/>
+            <a:endParaRPr dirty="0"/>
           </a:p>
         </p:txBody>
       </p:sp>
     </p:spTree>
   </p:cSld>
+  <p:clrMapOvr>
+    <a:masterClrMapping/>
+  </p:clrMapOvr>
   <p:timing>
     <p:tnLst>
       <p:par>
-        <p:cTn id="1" dur="indefinite" restart="never" nodeType="tmRoot">
+        <p:cTn xmlns:p14="http://schemas.microsoft.com/office/powerpoint/2010/main" id="1" dur="indefinite" restart="never" nodeType="tmRoot">
           <p:childTnLst>
             <p:seq>
               <p:cTn id="2" nodeType="mainSeq"/>
               <p:prevCondLst>
-                <p:cond delay="0" evt="onPrev">
+                <p:cond evt="onPrev" delay="0">
                   <p:tgtEl>
                     <p:sldTgt/>
                   </p:tgtEl>
                 </p:cond>
               </p:prevCondLst>
               <p:nextCondLst>
-                <p:cond delay="0" evt="onNext">
+                <p:cond evt="onNext" delay="0">
                   <p:tgtEl>
                     <p:sldTgt/>
                   </p:tgtEl>
@@ -4673,7 +5004,7 @@
 </file>
 
 <file path=ppt/slides/slide10.xml><?xml version="1.0" encoding="utf-8"?>
-<p:sld xmlns:a="http://schemas.openxmlformats.org/drawingml/2006/main" xmlns:p="http://schemas.openxmlformats.org/presentationml/2006/main" xmlns:r="http://schemas.openxmlformats.org/officeDocument/2006/relationships">
+<p:sld xmlns:a="http://schemas.openxmlformats.org/drawingml/2006/main" xmlns:r="http://schemas.openxmlformats.org/officeDocument/2006/relationships" xmlns:p="http://schemas.openxmlformats.org/presentationml/2006/main">
   <p:cSld>
     <p:spTree>
       <p:nvGrpSpPr>
@@ -4705,7 +5036,8 @@
           </a:prstGeom>
         </p:spPr>
         <p:txBody>
-          <a:bodyPr lIns="90000" rIns="90000" tIns="45000" bIns="45000"/>
+          <a:bodyPr lIns="90000" tIns="45000" rIns="90000" bIns="45000"/>
+          <a:lstStyle/>
           <a:p>
             <a:pPr>
               <a:lnSpc>
@@ -4713,15 +5045,15 @@
               </a:lnSpc>
             </a:pPr>
             <a:r>
-              <a:rPr b="1" lang="en-US" sz="4400">
-                <a:solidFill>
-                  <a:srgbClr val="f3a426"/>
+              <a:rPr lang="en-US" sz="4400" b="1" dirty="0">
+                <a:solidFill>
+                  <a:srgbClr val="F3A426"/>
                 </a:solidFill>
                 <a:latin typeface="Verdana"/>
               </a:rPr>
               <a:t>Assignment 1.9</a:t>
             </a:r>
-            <a:endParaRPr/>
+            <a:endParaRPr dirty="0"/>
           </a:p>
         </p:txBody>
       </p:sp>
@@ -4745,7 +5077,8 @@
           </a:ln>
         </p:spPr>
         <p:txBody>
-          <a:bodyPr lIns="90000" rIns="90000" tIns="45000" bIns="45000"/>
+          <a:bodyPr lIns="90000" tIns="45000" rIns="90000" bIns="45000"/>
+          <a:lstStyle/>
           <a:p>
             <a:pPr>
               <a:lnSpc>
@@ -4753,7 +5086,7 @@
               </a:lnSpc>
             </a:pPr>
             <a:r>
-              <a:rPr lang="en-US">
+              <a:rPr lang="en-US" dirty="0">
                 <a:solidFill>
                   <a:srgbClr val="000000"/>
                 </a:solidFill>
@@ -4761,18 +5094,18 @@
               </a:rPr>
               <a:t>At 'rotation style' choose the double direction arrow.</a:t>
             </a:r>
-            <a:endParaRPr/>
+            <a:endParaRPr dirty="0"/>
           </a:p>
         </p:txBody>
       </p:sp>
       <p:pic>
         <p:nvPicPr>
-          <p:cNvPr id="149" name="" descr=""/>
+          <p:cNvPr id="149" name="Picture 148"/>
           <p:cNvPicPr/>
           <p:nvPr/>
         </p:nvPicPr>
         <p:blipFill>
-          <a:blip r:embed="rId1"/>
+          <a:blip r:embed="rId2"/>
           <a:stretch>
             <a:fillRect/>
           </a:stretch>
@@ -4809,7 +5142,7 @@
           <a:noFill/>
           <a:ln w="76320">
             <a:solidFill>
-              <a:srgbClr val="f79646"/>
+              <a:srgbClr val="F79646"/>
             </a:solidFill>
             <a:round/>
           </a:ln>
@@ -4817,22 +5150,25 @@
       </p:sp>
     </p:spTree>
   </p:cSld>
+  <p:clrMapOvr>
+    <a:masterClrMapping/>
+  </p:clrMapOvr>
   <p:timing>
     <p:tnLst>
       <p:par>
-        <p:cTn id="19" dur="indefinite" restart="never" nodeType="tmRoot">
+        <p:cTn xmlns:p14="http://schemas.microsoft.com/office/powerpoint/2010/main" id="1" dur="indefinite" restart="never" nodeType="tmRoot">
           <p:childTnLst>
             <p:seq>
-              <p:cTn id="20" nodeType="mainSeq"/>
+              <p:cTn id="2" nodeType="mainSeq"/>
               <p:prevCondLst>
-                <p:cond delay="0" evt="onPrev">
+                <p:cond evt="onPrev" delay="0">
                   <p:tgtEl>
                     <p:sldTgt/>
                   </p:tgtEl>
                 </p:cond>
               </p:prevCondLst>
               <p:nextCondLst>
-                <p:cond delay="0" evt="onNext">
+                <p:cond evt="onNext" delay="0">
                   <p:tgtEl>
                     <p:sldTgt/>
                   </p:tgtEl>
@@ -4848,7 +5184,7 @@
 </file>
 
 <file path=ppt/slides/slide11.xml><?xml version="1.0" encoding="utf-8"?>
-<p:sld xmlns:a="http://schemas.openxmlformats.org/drawingml/2006/main" xmlns:p="http://schemas.openxmlformats.org/presentationml/2006/main" xmlns:r="http://schemas.openxmlformats.org/officeDocument/2006/relationships">
+<p:sld xmlns:a="http://schemas.openxmlformats.org/drawingml/2006/main" xmlns:r="http://schemas.openxmlformats.org/officeDocument/2006/relationships" xmlns:p="http://schemas.openxmlformats.org/presentationml/2006/main">
   <p:cSld>
     <p:spTree>
       <p:nvGrpSpPr>
@@ -4880,7 +5216,8 @@
           </a:prstGeom>
         </p:spPr>
         <p:txBody>
-          <a:bodyPr lIns="90000" rIns="90000" tIns="45000" bIns="45000"/>
+          <a:bodyPr lIns="90000" tIns="45000" rIns="90000" bIns="45000"/>
+          <a:lstStyle/>
           <a:p>
             <a:pPr>
               <a:lnSpc>
@@ -4888,15 +5225,15 @@
               </a:lnSpc>
             </a:pPr>
             <a:r>
-              <a:rPr b="1" lang="en-US" sz="4400">
-                <a:solidFill>
-                  <a:srgbClr val="f3a426"/>
+              <a:rPr lang="en-US" sz="4400" b="1" dirty="0">
+                <a:solidFill>
+                  <a:srgbClr val="F3A426"/>
                 </a:solidFill>
                 <a:latin typeface="Verdana"/>
               </a:rPr>
               <a:t>Assignment 1.10</a:t>
             </a:r>
-            <a:endParaRPr/>
+            <a:endParaRPr dirty="0"/>
           </a:p>
         </p:txBody>
       </p:sp>
@@ -4920,7 +5257,8 @@
           </a:ln>
         </p:spPr>
         <p:txBody>
-          <a:bodyPr lIns="90000" rIns="90000" tIns="45000" bIns="45000"/>
+          <a:bodyPr lIns="90000" tIns="45000" rIns="90000" bIns="45000"/>
+          <a:lstStyle/>
           <a:p>
             <a:pPr>
               <a:lnSpc>
@@ -4928,7 +5266,7 @@
               </a:lnSpc>
             </a:pPr>
             <a:r>
-              <a:rPr lang="en-US">
+              <a:rPr lang="en-US" dirty="0">
                 <a:solidFill>
                   <a:srgbClr val="000000"/>
                 </a:solidFill>
@@ -4936,7 +5274,7 @@
               </a:rPr>
               <a:t>Click the green flag at the stage area and press the 'right arrow' and 'left arrow' to move the sprite.</a:t>
             </a:r>
-            <a:endParaRPr/>
+            <a:endParaRPr dirty="0"/>
           </a:p>
         </p:txBody>
       </p:sp>
@@ -4959,7 +5297,7 @@
           <a:noFill/>
           <a:ln w="76320">
             <a:solidFill>
-              <a:srgbClr val="f79646"/>
+              <a:srgbClr val="F79646"/>
             </a:solidFill>
             <a:round/>
           </a:ln>
@@ -4967,12 +5305,12 @@
       </p:sp>
       <p:pic>
         <p:nvPicPr>
-          <p:cNvPr id="154" name="" descr=""/>
+          <p:cNvPr id="154" name="Picture 153"/>
           <p:cNvPicPr/>
           <p:nvPr/>
         </p:nvPicPr>
         <p:blipFill>
-          <a:blip r:embed="rId1"/>
+          <a:blip r:embed="rId2"/>
           <a:stretch>
             <a:fillRect/>
           </a:stretch>
@@ -4992,22 +5330,25 @@
       </p:pic>
     </p:spTree>
   </p:cSld>
+  <p:clrMapOvr>
+    <a:masterClrMapping/>
+  </p:clrMapOvr>
   <p:timing>
     <p:tnLst>
       <p:par>
-        <p:cTn id="21" dur="indefinite" restart="never" nodeType="tmRoot">
+        <p:cTn xmlns:p14="http://schemas.microsoft.com/office/powerpoint/2010/main" id="1" dur="indefinite" restart="never" nodeType="tmRoot">
           <p:childTnLst>
             <p:seq>
-              <p:cTn id="22" nodeType="mainSeq"/>
+              <p:cTn id="2" nodeType="mainSeq"/>
               <p:prevCondLst>
-                <p:cond delay="0" evt="onPrev">
+                <p:cond evt="onPrev" delay="0">
                   <p:tgtEl>
                     <p:sldTgt/>
                   </p:tgtEl>
                 </p:cond>
               </p:prevCondLst>
               <p:nextCondLst>
-                <p:cond delay="0" evt="onNext">
+                <p:cond evt="onNext" delay="0">
                   <p:tgtEl>
                     <p:sldTgt/>
                   </p:tgtEl>
@@ -5023,7 +5364,7 @@
 </file>
 
 <file path=ppt/slides/slide12.xml><?xml version="1.0" encoding="utf-8"?>
-<p:sld xmlns:a="http://schemas.openxmlformats.org/drawingml/2006/main" xmlns:p="http://schemas.openxmlformats.org/presentationml/2006/main" xmlns:r="http://schemas.openxmlformats.org/officeDocument/2006/relationships">
+<p:sld xmlns:a="http://schemas.openxmlformats.org/drawingml/2006/main" xmlns:r="http://schemas.openxmlformats.org/officeDocument/2006/relationships" xmlns:p="http://schemas.openxmlformats.org/presentationml/2006/main">
   <p:cSld>
     <p:spTree>
       <p:nvGrpSpPr>
@@ -5055,7 +5396,8 @@
           </a:prstGeom>
         </p:spPr>
         <p:txBody>
-          <a:bodyPr lIns="90000" rIns="90000" tIns="45000" bIns="45000"/>
+          <a:bodyPr lIns="90000" tIns="45000" rIns="90000" bIns="45000"/>
+          <a:lstStyle/>
           <a:p>
             <a:pPr>
               <a:lnSpc>
@@ -5063,15 +5405,15 @@
               </a:lnSpc>
             </a:pPr>
             <a:r>
-              <a:rPr b="1" lang="en-US" sz="4400">
-                <a:solidFill>
-                  <a:srgbClr val="f3a426"/>
+              <a:rPr lang="en-US" sz="4400" b="1" dirty="0">
+                <a:solidFill>
+                  <a:srgbClr val="F3A426"/>
                 </a:solidFill>
                 <a:latin typeface="Verdana"/>
               </a:rPr>
               <a:t>Assignment 1.11</a:t>
             </a:r>
-            <a:endParaRPr/>
+            <a:endParaRPr dirty="0"/>
           </a:p>
         </p:txBody>
       </p:sp>
@@ -5095,7 +5437,8 @@
           </a:ln>
         </p:spPr>
         <p:txBody>
-          <a:bodyPr lIns="90000" rIns="90000" tIns="45000" bIns="45000"/>
+          <a:bodyPr lIns="90000" tIns="45000" rIns="90000" bIns="45000"/>
+          <a:lstStyle/>
           <a:p>
             <a:pPr>
               <a:lnSpc>
@@ -5103,15 +5446,33 @@
               </a:lnSpc>
             </a:pPr>
             <a:r>
-              <a:rPr lang="en-US">
+              <a:rPr lang="en-US" dirty="0">
                 <a:solidFill>
                   <a:srgbClr val="000000"/>
                 </a:solidFill>
                 <a:latin typeface="Comic Sans MS"/>
               </a:rPr>
-              <a:t>Now try to add buildingblocks so the sprite moves</a:t>
-            </a:r>
-            <a:endParaRPr/>
+              <a:t>Now try to add </a:t>
+            </a:r>
+            <a:r>
+              <a:rPr lang="en-US" dirty="0" smtClean="0">
+                <a:solidFill>
+                  <a:srgbClr val="000000"/>
+                </a:solidFill>
+                <a:latin typeface="Comic Sans MS"/>
+              </a:rPr>
+              <a:t>building blocks </a:t>
+            </a:r>
+            <a:r>
+              <a:rPr lang="en-US" dirty="0">
+                <a:solidFill>
+                  <a:srgbClr val="000000"/>
+                </a:solidFill>
+                <a:latin typeface="Comic Sans MS"/>
+              </a:rPr>
+              <a:t>so the sprite moves</a:t>
+            </a:r>
+            <a:endParaRPr dirty="0"/>
           </a:p>
           <a:p>
             <a:pPr>
@@ -5120,7 +5481,7 @@
               </a:lnSpc>
             </a:pPr>
             <a:r>
-              <a:rPr lang="en-US">
+              <a:rPr lang="en-US" dirty="0">
                 <a:solidFill>
                   <a:srgbClr val="000000"/>
                 </a:solidFill>
@@ -5128,7 +5489,7 @@
               </a:rPr>
               <a:t>- 10 steps up when pressing the 'up arrow</a:t>
             </a:r>
-            <a:endParaRPr/>
+            <a:endParaRPr dirty="0"/>
           </a:p>
           <a:p>
             <a:pPr>
@@ -5137,7 +5498,7 @@
               </a:lnSpc>
             </a:pPr>
             <a:r>
-              <a:rPr lang="en-US">
+              <a:rPr lang="en-US" dirty="0">
                 <a:solidFill>
                   <a:srgbClr val="000000"/>
                 </a:solidFill>
@@ -5145,18 +5506,18 @@
               </a:rPr>
               <a:t>- 10 steps down when pressing the 'down arrow'</a:t>
             </a:r>
-            <a:endParaRPr/>
+            <a:endParaRPr dirty="0"/>
           </a:p>
         </p:txBody>
       </p:sp>
       <p:pic>
         <p:nvPicPr>
-          <p:cNvPr id="157" name="" descr=""/>
+          <p:cNvPr id="157" name="Picture 156"/>
           <p:cNvPicPr/>
           <p:nvPr/>
         </p:nvPicPr>
         <p:blipFill>
-          <a:blip r:embed="rId1"/>
+          <a:blip r:embed="rId2"/>
           <a:stretch>
             <a:fillRect/>
           </a:stretch>
@@ -5176,22 +5537,25 @@
       </p:pic>
     </p:spTree>
   </p:cSld>
+  <p:clrMapOvr>
+    <a:masterClrMapping/>
+  </p:clrMapOvr>
   <p:timing>
     <p:tnLst>
       <p:par>
-        <p:cTn id="23" dur="indefinite" restart="never" nodeType="tmRoot">
+        <p:cTn xmlns:p14="http://schemas.microsoft.com/office/powerpoint/2010/main" id="1" dur="indefinite" restart="never" nodeType="tmRoot">
           <p:childTnLst>
             <p:seq>
-              <p:cTn id="24" nodeType="mainSeq"/>
+              <p:cTn id="2" nodeType="mainSeq"/>
               <p:prevCondLst>
-                <p:cond delay="0" evt="onPrev">
+                <p:cond evt="onPrev" delay="0">
                   <p:tgtEl>
                     <p:sldTgt/>
                   </p:tgtEl>
                 </p:cond>
               </p:prevCondLst>
               <p:nextCondLst>
-                <p:cond delay="0" evt="onNext">
+                <p:cond evt="onNext" delay="0">
                   <p:tgtEl>
                     <p:sldTgt/>
                   </p:tgtEl>
@@ -5207,7 +5571,7 @@
 </file>
 
 <file path=ppt/slides/slide2.xml><?xml version="1.0" encoding="utf-8"?>
-<p:sld xmlns:a="http://schemas.openxmlformats.org/drawingml/2006/main" xmlns:p="http://schemas.openxmlformats.org/presentationml/2006/main" xmlns:r="http://schemas.openxmlformats.org/officeDocument/2006/relationships">
+<p:sld xmlns:a="http://schemas.openxmlformats.org/drawingml/2006/main" xmlns:r="http://schemas.openxmlformats.org/officeDocument/2006/relationships" xmlns:p="http://schemas.openxmlformats.org/presentationml/2006/main">
   <p:cSld>
     <p:spTree>
       <p:nvGrpSpPr>
@@ -5239,7 +5603,8 @@
           </a:prstGeom>
         </p:spPr>
         <p:txBody>
-          <a:bodyPr lIns="90000" rIns="90000" tIns="45000" bIns="45000"/>
+          <a:bodyPr lIns="90000" tIns="45000" rIns="90000" bIns="45000"/>
+          <a:lstStyle/>
           <a:p>
             <a:pPr>
               <a:lnSpc>
@@ -5247,15 +5612,15 @@
               </a:lnSpc>
             </a:pPr>
             <a:r>
-              <a:rPr b="1" lang="en-US" sz="4400">
-                <a:solidFill>
-                  <a:srgbClr val="f3a426"/>
+              <a:rPr lang="en-US" sz="4400" b="1" dirty="0">
+                <a:solidFill>
+                  <a:srgbClr val="F3A426"/>
                 </a:solidFill>
                 <a:latin typeface="Verdana"/>
               </a:rPr>
               <a:t>Assignment 1.1</a:t>
             </a:r>
-            <a:endParaRPr/>
+            <a:endParaRPr dirty="0"/>
           </a:p>
         </p:txBody>
       </p:sp>
@@ -5279,7 +5644,8 @@
           </a:ln>
         </p:spPr>
         <p:txBody>
-          <a:bodyPr lIns="90000" rIns="90000" tIns="45000" bIns="45000"/>
+          <a:bodyPr lIns="90000" tIns="45000" rIns="90000" bIns="45000"/>
+          <a:lstStyle/>
           <a:p>
             <a:pPr>
               <a:lnSpc>
@@ -5287,12 +5653,12 @@
               </a:lnSpc>
             </a:pPr>
             <a:r>
-              <a:rPr lang="en-US">
+              <a:rPr lang="en-US" dirty="0">
                 <a:latin typeface="Comic Sans MS"/>
               </a:rPr>
               <a:t>We will start with a new project.</a:t>
             </a:r>
-            <a:endParaRPr/>
+            <a:endParaRPr dirty="0"/>
           </a:p>
           <a:p>
             <a:pPr>
@@ -5309,23 +5675,23 @@
               </a:lnSpc>
             </a:pPr>
             <a:r>
-              <a:rPr lang="en-US">
+              <a:rPr lang="en-US" dirty="0">
                 <a:latin typeface="Comic Sans MS"/>
               </a:rPr>
               <a:t>At the menu choose 'File' &gt; 'New' </a:t>
             </a:r>
-            <a:endParaRPr/>
+            <a:endParaRPr dirty="0"/>
           </a:p>
         </p:txBody>
       </p:sp>
       <p:pic>
         <p:nvPicPr>
-          <p:cNvPr id="125" name="" descr=""/>
+          <p:cNvPr id="125" name="Picture 124"/>
           <p:cNvPicPr/>
           <p:nvPr/>
         </p:nvPicPr>
         <p:blipFill>
-          <a:blip r:embed="rId1"/>
+          <a:blip r:embed="rId2"/>
           <a:stretch>
             <a:fillRect/>
           </a:stretch>
@@ -5345,22 +5711,25 @@
       </p:pic>
     </p:spTree>
   </p:cSld>
+  <p:clrMapOvr>
+    <a:masterClrMapping/>
+  </p:clrMapOvr>
   <p:timing>
     <p:tnLst>
       <p:par>
-        <p:cTn id="3" dur="indefinite" restart="never" nodeType="tmRoot">
+        <p:cTn xmlns:p14="http://schemas.microsoft.com/office/powerpoint/2010/main" id="1" dur="indefinite" restart="never" nodeType="tmRoot">
           <p:childTnLst>
             <p:seq>
-              <p:cTn id="4" nodeType="mainSeq"/>
+              <p:cTn id="2" nodeType="mainSeq"/>
               <p:prevCondLst>
-                <p:cond delay="0" evt="onPrev">
+                <p:cond evt="onPrev" delay="0">
                   <p:tgtEl>
                     <p:sldTgt/>
                   </p:tgtEl>
                 </p:cond>
               </p:prevCondLst>
               <p:nextCondLst>
-                <p:cond delay="0" evt="onNext">
+                <p:cond evt="onNext" delay="0">
                   <p:tgtEl>
                     <p:sldTgt/>
                   </p:tgtEl>
@@ -5376,7 +5745,7 @@
 </file>
 
 <file path=ppt/slides/slide3.xml><?xml version="1.0" encoding="utf-8"?>
-<p:sld xmlns:a="http://schemas.openxmlformats.org/drawingml/2006/main" xmlns:p="http://schemas.openxmlformats.org/presentationml/2006/main" xmlns:r="http://schemas.openxmlformats.org/officeDocument/2006/relationships">
+<p:sld xmlns:a="http://schemas.openxmlformats.org/drawingml/2006/main" xmlns:r="http://schemas.openxmlformats.org/officeDocument/2006/relationships" xmlns:p="http://schemas.openxmlformats.org/presentationml/2006/main">
   <p:cSld>
     <p:spTree>
       <p:nvGrpSpPr>
@@ -5408,7 +5777,8 @@
           </a:prstGeom>
         </p:spPr>
         <p:txBody>
-          <a:bodyPr lIns="90000" rIns="90000" tIns="45000" bIns="45000"/>
+          <a:bodyPr lIns="90000" tIns="45000" rIns="90000" bIns="45000"/>
+          <a:lstStyle/>
           <a:p>
             <a:pPr>
               <a:lnSpc>
@@ -5416,15 +5786,15 @@
               </a:lnSpc>
             </a:pPr>
             <a:r>
-              <a:rPr b="1" lang="en-US" sz="4400">
-                <a:solidFill>
-                  <a:srgbClr val="f3a426"/>
+              <a:rPr lang="en-US" sz="4400" b="1" dirty="0">
+                <a:solidFill>
+                  <a:srgbClr val="F3A426"/>
                 </a:solidFill>
                 <a:latin typeface="Verdana"/>
               </a:rPr>
               <a:t>Assignment 1.2</a:t>
             </a:r>
-            <a:endParaRPr/>
+            <a:endParaRPr dirty="0"/>
           </a:p>
         </p:txBody>
       </p:sp>
@@ -5448,7 +5818,8 @@
           </a:ln>
         </p:spPr>
         <p:txBody>
-          <a:bodyPr lIns="90000" rIns="90000" tIns="45000" bIns="45000"/>
+          <a:bodyPr lIns="90000" tIns="45000" rIns="90000" bIns="45000"/>
+          <a:lstStyle/>
           <a:p>
             <a:pPr>
               <a:lnSpc>
@@ -5456,7 +5827,7 @@
               </a:lnSpc>
             </a:pPr>
             <a:r>
-              <a:rPr lang="en-US">
+              <a:rPr lang="en-US" dirty="0">
                 <a:solidFill>
                   <a:srgbClr val="000000"/>
                 </a:solidFill>
@@ -5465,24 +5836,33 @@
               <a:t>Click on the ‘</a:t>
             </a:r>
             <a:r>
-              <a:rPr lang="en-US">
-                <a:solidFill>
-                  <a:srgbClr val="bc711c"/>
+              <a:rPr lang="en-US" dirty="0">
+                <a:solidFill>
+                  <a:srgbClr val="BC711C"/>
                 </a:solidFill>
                 <a:latin typeface="Comic Sans MS"/>
               </a:rPr>
               <a:t>Events</a:t>
             </a:r>
             <a:r>
-              <a:rPr lang="en-US">
+              <a:rPr lang="en-US" dirty="0">
                 <a:solidFill>
                   <a:srgbClr val="000000"/>
                 </a:solidFill>
                 <a:latin typeface="Comic Sans MS"/>
               </a:rPr>
-              <a:t>’ buildingblocks</a:t>
-            </a:r>
-            <a:endParaRPr/>
+              <a:t>’ </a:t>
+            </a:r>
+            <a:r>
+              <a:rPr lang="en-US" dirty="0" smtClean="0">
+                <a:solidFill>
+                  <a:srgbClr val="000000"/>
+                </a:solidFill>
+                <a:latin typeface="Comic Sans MS"/>
+              </a:rPr>
+              <a:t>building blocks</a:t>
+            </a:r>
+            <a:endParaRPr dirty="0"/>
           </a:p>
           <a:p>
             <a:pPr>
@@ -5490,7 +5870,7 @@
                 <a:spcPct val="100000"/>
               </a:lnSpc>
             </a:pPr>
-            <a:endParaRPr/>
+            <a:endParaRPr dirty="0"/>
           </a:p>
           <a:p>
             <a:pPr>
@@ -5499,7 +5879,7 @@
               </a:lnSpc>
             </a:pPr>
             <a:r>
-              <a:rPr lang="en-US">
+              <a:rPr lang="en-US" dirty="0">
                 <a:solidFill>
                   <a:srgbClr val="000000"/>
                 </a:solidFill>
@@ -5508,35 +5888,53 @@
               <a:t>Drag the ‘</a:t>
             </a:r>
             <a:r>
-              <a:rPr lang="en-US">
-                <a:solidFill>
-                  <a:srgbClr val="bc711c"/>
+              <a:rPr lang="en-US" dirty="0">
+                <a:solidFill>
+                  <a:srgbClr val="BC711C"/>
                 </a:solidFill>
                 <a:latin typeface="Comic Sans MS"/>
               </a:rPr>
               <a:t>when space key pressed</a:t>
             </a:r>
             <a:r>
-              <a:rPr lang="en-US">
+              <a:rPr lang="en-US" dirty="0">
                 <a:solidFill>
                   <a:srgbClr val="000000"/>
                 </a:solidFill>
                 <a:latin typeface="Comic Sans MS"/>
               </a:rPr>
-              <a:t>’ buildingblock to the script area.</a:t>
-            </a:r>
-            <a:endParaRPr/>
+              <a:t>’ </a:t>
+            </a:r>
+            <a:r>
+              <a:rPr lang="en-US" dirty="0" smtClean="0">
+                <a:solidFill>
+                  <a:srgbClr val="000000"/>
+                </a:solidFill>
+                <a:latin typeface="Comic Sans MS"/>
+              </a:rPr>
+              <a:t>building block </a:t>
+            </a:r>
+            <a:r>
+              <a:rPr lang="en-US" dirty="0">
+                <a:solidFill>
+                  <a:srgbClr val="000000"/>
+                </a:solidFill>
+                <a:latin typeface="Comic Sans MS"/>
+              </a:rPr>
+              <a:t>to the script area.</a:t>
+            </a:r>
+            <a:endParaRPr dirty="0"/>
           </a:p>
         </p:txBody>
       </p:sp>
       <p:pic>
         <p:nvPicPr>
-          <p:cNvPr id="128" name="" descr=""/>
+          <p:cNvPr id="128" name="Picture 127"/>
           <p:cNvPicPr/>
           <p:nvPr/>
         </p:nvPicPr>
         <p:blipFill>
-          <a:blip r:embed="rId1"/>
+          <a:blip r:embed="rId2"/>
           <a:stretch>
             <a:fillRect/>
           </a:stretch>
@@ -5556,22 +5954,25 @@
       </p:pic>
     </p:spTree>
   </p:cSld>
+  <p:clrMapOvr>
+    <a:masterClrMapping/>
+  </p:clrMapOvr>
   <p:timing>
     <p:tnLst>
       <p:par>
-        <p:cTn id="5" dur="indefinite" restart="never" nodeType="tmRoot">
+        <p:cTn xmlns:p14="http://schemas.microsoft.com/office/powerpoint/2010/main" id="1" dur="indefinite" restart="never" nodeType="tmRoot">
           <p:childTnLst>
             <p:seq>
-              <p:cTn id="6" nodeType="mainSeq"/>
+              <p:cTn id="2" nodeType="mainSeq"/>
               <p:prevCondLst>
-                <p:cond delay="0" evt="onPrev">
+                <p:cond evt="onPrev" delay="0">
                   <p:tgtEl>
                     <p:sldTgt/>
                   </p:tgtEl>
                 </p:cond>
               </p:prevCondLst>
               <p:nextCondLst>
-                <p:cond delay="0" evt="onNext">
+                <p:cond evt="onNext" delay="0">
                   <p:tgtEl>
                     <p:sldTgt/>
                   </p:tgtEl>
@@ -5587,7 +5988,7 @@
 </file>
 
 <file path=ppt/slides/slide4.xml><?xml version="1.0" encoding="utf-8"?>
-<p:sld xmlns:a="http://schemas.openxmlformats.org/drawingml/2006/main" xmlns:p="http://schemas.openxmlformats.org/presentationml/2006/main" xmlns:r="http://schemas.openxmlformats.org/officeDocument/2006/relationships">
+<p:sld xmlns:a="http://schemas.openxmlformats.org/drawingml/2006/main" xmlns:r="http://schemas.openxmlformats.org/officeDocument/2006/relationships" xmlns:p="http://schemas.openxmlformats.org/presentationml/2006/main">
   <p:cSld>
     <p:spTree>
       <p:nvGrpSpPr>
@@ -5619,7 +6020,8 @@
           </a:prstGeom>
         </p:spPr>
         <p:txBody>
-          <a:bodyPr lIns="90000" rIns="90000" tIns="45000" bIns="45000"/>
+          <a:bodyPr lIns="90000" tIns="45000" rIns="90000" bIns="45000"/>
+          <a:lstStyle/>
           <a:p>
             <a:pPr>
               <a:lnSpc>
@@ -5627,15 +6029,15 @@
               </a:lnSpc>
             </a:pPr>
             <a:r>
-              <a:rPr b="1" lang="en-US" sz="4400">
-                <a:solidFill>
-                  <a:srgbClr val="f3a426"/>
+              <a:rPr lang="en-US" sz="4400" b="1" dirty="0">
+                <a:solidFill>
+                  <a:srgbClr val="F3A426"/>
                 </a:solidFill>
                 <a:latin typeface="Verdana"/>
               </a:rPr>
               <a:t>Assignment 1.3</a:t>
             </a:r>
-            <a:endParaRPr/>
+            <a:endParaRPr dirty="0"/>
           </a:p>
         </p:txBody>
       </p:sp>
@@ -5647,8 +6049,8 @@
         </p:nvSpPr>
         <p:spPr>
           <a:xfrm>
-            <a:off x="532080" y="1417320"/>
-            <a:ext cx="3507120" cy="4434840"/>
+            <a:off x="532080" y="1722600"/>
+            <a:ext cx="3507120" cy="4129560"/>
           </a:xfrm>
           <a:prstGeom prst="rect">
             <a:avLst/>
@@ -5659,7 +6061,8 @@
           </a:ln>
         </p:spPr>
         <p:txBody>
-          <a:bodyPr lIns="90000" rIns="90000" tIns="45000" bIns="45000"/>
+          <a:bodyPr lIns="90000" tIns="45000" rIns="90000" bIns="45000"/>
+          <a:lstStyle/>
           <a:p>
             <a:pPr>
               <a:lnSpc>
@@ -5667,12 +6070,12 @@
               </a:lnSpc>
             </a:pPr>
             <a:r>
-              <a:rPr lang="en-US">
+              <a:rPr lang="en-US" dirty="0">
                 <a:latin typeface="Comic Sans MS"/>
               </a:rPr>
               <a:t>Click on 'space' and choose 'right arrow'</a:t>
             </a:r>
-            <a:endParaRPr/>
+            <a:endParaRPr dirty="0"/>
           </a:p>
           <a:p>
             <a:pPr>
@@ -5680,18 +6083,18 @@
                 <a:spcPct val="100000"/>
               </a:lnSpc>
             </a:pPr>
-            <a:endParaRPr/>
+            <a:endParaRPr dirty="0"/>
           </a:p>
         </p:txBody>
       </p:sp>
       <p:pic>
         <p:nvPicPr>
-          <p:cNvPr id="131" name="" descr=""/>
+          <p:cNvPr id="131" name="Picture 130"/>
           <p:cNvPicPr/>
           <p:nvPr/>
         </p:nvPicPr>
         <p:blipFill>
-          <a:blip r:embed="rId1"/>
+          <a:blip r:embed="rId2"/>
           <a:stretch>
             <a:fillRect/>
           </a:stretch>
@@ -5711,22 +6114,25 @@
       </p:pic>
     </p:spTree>
   </p:cSld>
+  <p:clrMapOvr>
+    <a:masterClrMapping/>
+  </p:clrMapOvr>
   <p:timing>
     <p:tnLst>
       <p:par>
-        <p:cTn id="7" dur="indefinite" restart="never" nodeType="tmRoot">
+        <p:cTn xmlns:p14="http://schemas.microsoft.com/office/powerpoint/2010/main" id="1" dur="indefinite" restart="never" nodeType="tmRoot">
           <p:childTnLst>
             <p:seq>
-              <p:cTn id="8" nodeType="mainSeq"/>
+              <p:cTn id="2" nodeType="mainSeq"/>
               <p:prevCondLst>
-                <p:cond delay="0" evt="onPrev">
+                <p:cond evt="onPrev" delay="0">
                   <p:tgtEl>
                     <p:sldTgt/>
                   </p:tgtEl>
                 </p:cond>
               </p:prevCondLst>
               <p:nextCondLst>
-                <p:cond delay="0" evt="onNext">
+                <p:cond evt="onNext" delay="0">
                   <p:tgtEl>
                     <p:sldTgt/>
                   </p:tgtEl>
@@ -5742,7 +6148,7 @@
 </file>
 
 <file path=ppt/slides/slide5.xml><?xml version="1.0" encoding="utf-8"?>
-<p:sld xmlns:a="http://schemas.openxmlformats.org/drawingml/2006/main" xmlns:p="http://schemas.openxmlformats.org/presentationml/2006/main" xmlns:r="http://schemas.openxmlformats.org/officeDocument/2006/relationships">
+<p:sld xmlns:a="http://schemas.openxmlformats.org/drawingml/2006/main" xmlns:r="http://schemas.openxmlformats.org/officeDocument/2006/relationships" xmlns:p="http://schemas.openxmlformats.org/presentationml/2006/main">
   <p:cSld>
     <p:spTree>
       <p:nvGrpSpPr>
@@ -5774,7 +6180,8 @@
           </a:prstGeom>
         </p:spPr>
         <p:txBody>
-          <a:bodyPr lIns="90000" rIns="90000" tIns="45000" bIns="45000"/>
+          <a:bodyPr lIns="90000" tIns="45000" rIns="90000" bIns="45000"/>
+          <a:lstStyle/>
           <a:p>
             <a:pPr>
               <a:lnSpc>
@@ -5782,15 +6189,15 @@
               </a:lnSpc>
             </a:pPr>
             <a:r>
-              <a:rPr b="1" lang="en-US" sz="4400">
-                <a:solidFill>
-                  <a:srgbClr val="f3a426"/>
+              <a:rPr lang="en-US" sz="4400" b="1" dirty="0">
+                <a:solidFill>
+                  <a:srgbClr val="F3A426"/>
                 </a:solidFill>
                 <a:latin typeface="Verdana"/>
               </a:rPr>
               <a:t>Assignment 1.4</a:t>
             </a:r>
-            <a:endParaRPr/>
+            <a:endParaRPr dirty="0"/>
           </a:p>
         </p:txBody>
       </p:sp>
@@ -5814,7 +6221,8 @@
           </a:ln>
         </p:spPr>
         <p:txBody>
-          <a:bodyPr lIns="90000" rIns="90000" tIns="45000" bIns="45000"/>
+          <a:bodyPr lIns="90000" tIns="45000" rIns="90000" bIns="45000"/>
+          <a:lstStyle/>
           <a:p>
             <a:pPr>
               <a:lnSpc>
@@ -5822,7 +6230,7 @@
               </a:lnSpc>
             </a:pPr>
             <a:r>
-              <a:rPr lang="en-US">
+              <a:rPr lang="en-US" dirty="0">
                 <a:solidFill>
                   <a:srgbClr val="000000"/>
                 </a:solidFill>
@@ -5831,24 +6239,33 @@
               <a:t>Click on the ‘</a:t>
             </a:r>
             <a:r>
-              <a:rPr lang="en-US">
-                <a:solidFill>
-                  <a:srgbClr val="3750ce"/>
+              <a:rPr lang="en-US" dirty="0">
+                <a:solidFill>
+                  <a:srgbClr val="3750CE"/>
                 </a:solidFill>
                 <a:latin typeface="Comic Sans MS"/>
               </a:rPr>
               <a:t>Motion</a:t>
             </a:r>
             <a:r>
-              <a:rPr lang="en-US">
+              <a:rPr lang="en-US" dirty="0">
                 <a:solidFill>
                   <a:srgbClr val="000000"/>
                 </a:solidFill>
                 <a:latin typeface="Comic Sans MS"/>
               </a:rPr>
-              <a:t>’ buildingblocks.</a:t>
-            </a:r>
-            <a:endParaRPr/>
+              <a:t>’ </a:t>
+            </a:r>
+            <a:r>
+              <a:rPr lang="en-US" dirty="0" smtClean="0">
+                <a:solidFill>
+                  <a:srgbClr val="000000"/>
+                </a:solidFill>
+                <a:latin typeface="Comic Sans MS"/>
+              </a:rPr>
+              <a:t>building blocks.</a:t>
+            </a:r>
+            <a:endParaRPr dirty="0"/>
           </a:p>
           <a:p>
             <a:pPr>
@@ -5856,7 +6273,7 @@
                 <a:spcPct val="100000"/>
               </a:lnSpc>
             </a:pPr>
-            <a:endParaRPr/>
+            <a:endParaRPr dirty="0"/>
           </a:p>
           <a:p>
             <a:pPr>
@@ -5865,7 +6282,7 @@
               </a:lnSpc>
             </a:pPr>
             <a:r>
-              <a:rPr lang="en-US">
+              <a:rPr lang="en-US" dirty="0">
                 <a:solidFill>
                   <a:srgbClr val="000000"/>
                 </a:solidFill>
@@ -5874,24 +6291,51 @@
               <a:t>Drag the ‘</a:t>
             </a:r>
             <a:r>
-              <a:rPr lang="en-US">
-                <a:solidFill>
-                  <a:srgbClr val="3750ce"/>
+              <a:rPr lang="en-US" dirty="0">
+                <a:solidFill>
+                  <a:srgbClr val="3750CE"/>
                 </a:solidFill>
                 <a:latin typeface="Comic Sans MS"/>
               </a:rPr>
               <a:t>point in direction 90</a:t>
             </a:r>
             <a:r>
-              <a:rPr lang="en-US">
+              <a:rPr lang="en-US" dirty="0">
                 <a:solidFill>
                   <a:srgbClr val="000000"/>
                 </a:solidFill>
                 <a:latin typeface="Comic Sans MS"/>
               </a:rPr>
-              <a:t>’ on the script area and attach it to the other buildingblock.</a:t>
-            </a:r>
-            <a:endParaRPr/>
+              <a:t>’ on the script area and attach it </a:t>
+            </a:r>
+            <a:r>
+              <a:rPr lang="en-US" dirty="0" smtClean="0">
+                <a:solidFill>
+                  <a:srgbClr val="000000"/>
+                </a:solidFill>
+                <a:latin typeface="Comic Sans MS"/>
+              </a:rPr>
+              <a:t>underneath </a:t>
+            </a:r>
+            <a:r>
+              <a:rPr lang="en-US" dirty="0">
+                <a:solidFill>
+                  <a:srgbClr val="000000"/>
+                </a:solidFill>
+                <a:latin typeface="Comic Sans MS"/>
+              </a:rPr>
+              <a:t>the other </a:t>
+            </a:r>
+            <a:r>
+              <a:rPr lang="en-US" dirty="0" smtClean="0">
+                <a:solidFill>
+                  <a:srgbClr val="000000"/>
+                </a:solidFill>
+                <a:latin typeface="Comic Sans MS"/>
+              </a:rPr>
+              <a:t>building block.</a:t>
+            </a:r>
+            <a:endParaRPr dirty="0"/>
           </a:p>
           <a:p>
             <a:pPr>
@@ -5899,7 +6343,7 @@
                 <a:spcPct val="100000"/>
               </a:lnSpc>
             </a:pPr>
-            <a:endParaRPr/>
+            <a:endParaRPr dirty="0"/>
           </a:p>
           <a:p>
             <a:pPr>
@@ -5907,18 +6351,18 @@
                 <a:spcPct val="100000"/>
               </a:lnSpc>
             </a:pPr>
-            <a:endParaRPr/>
+            <a:endParaRPr dirty="0"/>
           </a:p>
         </p:txBody>
       </p:sp>
       <p:pic>
         <p:nvPicPr>
-          <p:cNvPr id="134" name="" descr=""/>
+          <p:cNvPr id="134" name="Picture 133"/>
           <p:cNvPicPr/>
           <p:nvPr/>
         </p:nvPicPr>
         <p:blipFill>
-          <a:blip r:embed="rId1"/>
+          <a:blip r:embed="rId2"/>
           <a:stretch>
             <a:fillRect/>
           </a:stretch>
@@ -5938,22 +6382,25 @@
       </p:pic>
     </p:spTree>
   </p:cSld>
+  <p:clrMapOvr>
+    <a:masterClrMapping/>
+  </p:clrMapOvr>
   <p:timing>
     <p:tnLst>
       <p:par>
-        <p:cTn id="9" dur="indefinite" restart="never" nodeType="tmRoot">
+        <p:cTn xmlns:p14="http://schemas.microsoft.com/office/powerpoint/2010/main" id="1" dur="indefinite" restart="never" nodeType="tmRoot">
           <p:childTnLst>
             <p:seq>
-              <p:cTn id="10" nodeType="mainSeq"/>
+              <p:cTn id="2" nodeType="mainSeq"/>
               <p:prevCondLst>
-                <p:cond delay="0" evt="onPrev">
+                <p:cond evt="onPrev" delay="0">
                   <p:tgtEl>
                     <p:sldTgt/>
                   </p:tgtEl>
                 </p:cond>
               </p:prevCondLst>
               <p:nextCondLst>
-                <p:cond delay="0" evt="onNext">
+                <p:cond evt="onNext" delay="0">
                   <p:tgtEl>
                     <p:sldTgt/>
                   </p:tgtEl>
@@ -5969,7 +6416,7 @@
 </file>
 
 <file path=ppt/slides/slide6.xml><?xml version="1.0" encoding="utf-8"?>
-<p:sld xmlns:a="http://schemas.openxmlformats.org/drawingml/2006/main" xmlns:p="http://schemas.openxmlformats.org/presentationml/2006/main" xmlns:r="http://schemas.openxmlformats.org/officeDocument/2006/relationships">
+<p:sld xmlns:a="http://schemas.openxmlformats.org/drawingml/2006/main" xmlns:r="http://schemas.openxmlformats.org/officeDocument/2006/relationships" xmlns:p="http://schemas.openxmlformats.org/presentationml/2006/main">
   <p:cSld>
     <p:spTree>
       <p:nvGrpSpPr>
@@ -6001,7 +6448,8 @@
           </a:prstGeom>
         </p:spPr>
         <p:txBody>
-          <a:bodyPr lIns="90000" rIns="90000" tIns="45000" bIns="45000"/>
+          <a:bodyPr lIns="90000" tIns="45000" rIns="90000" bIns="45000"/>
+          <a:lstStyle/>
           <a:p>
             <a:pPr>
               <a:lnSpc>
@@ -6009,15 +6457,15 @@
               </a:lnSpc>
             </a:pPr>
             <a:r>
-              <a:rPr b="1" lang="en-US" sz="4400">
-                <a:solidFill>
-                  <a:srgbClr val="f3a426"/>
+              <a:rPr lang="en-US" sz="4400" b="1" dirty="0">
+                <a:solidFill>
+                  <a:srgbClr val="F3A426"/>
                 </a:solidFill>
                 <a:latin typeface="Verdana"/>
               </a:rPr>
               <a:t>Assignment 1.5</a:t>
             </a:r>
-            <a:endParaRPr/>
+            <a:endParaRPr dirty="0"/>
           </a:p>
         </p:txBody>
       </p:sp>
@@ -6041,7 +6489,8 @@
           </a:ln>
         </p:spPr>
         <p:txBody>
-          <a:bodyPr lIns="90000" rIns="90000" tIns="45000" bIns="45000"/>
+          <a:bodyPr lIns="90000" tIns="45000" rIns="90000" bIns="45000"/>
+          <a:lstStyle/>
           <a:p>
             <a:pPr>
               <a:lnSpc>
@@ -6049,7 +6498,7 @@
               </a:lnSpc>
             </a:pPr>
             <a:r>
-              <a:rPr lang="en-US">
+              <a:rPr lang="en-US" dirty="0">
                 <a:solidFill>
                   <a:srgbClr val="000000"/>
                 </a:solidFill>
@@ -6058,24 +6507,69 @@
               <a:t>Drag the ‘</a:t>
             </a:r>
             <a:r>
-              <a:rPr lang="en-US">
-                <a:solidFill>
-                  <a:srgbClr val="3750ce"/>
+              <a:rPr lang="en-US" dirty="0">
+                <a:solidFill>
+                  <a:srgbClr val="3750CE"/>
                 </a:solidFill>
                 <a:latin typeface="Comic Sans MS"/>
               </a:rPr>
               <a:t>move 10 steps</a:t>
             </a:r>
             <a:r>
-              <a:rPr lang="en-US">
+              <a:rPr lang="en-US" dirty="0">
                 <a:solidFill>
                   <a:srgbClr val="000000"/>
                 </a:solidFill>
                 <a:latin typeface="Comic Sans MS"/>
               </a:rPr>
-              <a:t>’ buildingblock on the script area and attach it to the other buildingblocks</a:t>
-            </a:r>
-            <a:endParaRPr/>
+              <a:t>’ </a:t>
+            </a:r>
+            <a:r>
+              <a:rPr lang="en-US" dirty="0" smtClean="0">
+                <a:solidFill>
+                  <a:srgbClr val="000000"/>
+                </a:solidFill>
+                <a:latin typeface="Comic Sans MS"/>
+              </a:rPr>
+              <a:t>building block </a:t>
+            </a:r>
+            <a:r>
+              <a:rPr lang="en-US" dirty="0">
+                <a:solidFill>
+                  <a:srgbClr val="000000"/>
+                </a:solidFill>
+                <a:latin typeface="Comic Sans MS"/>
+              </a:rPr>
+              <a:t>on the script area and attach </a:t>
+            </a:r>
+            <a:r>
+              <a:rPr lang="en-US" dirty="0" smtClean="0">
+                <a:solidFill>
+                  <a:srgbClr val="000000"/>
+                </a:solidFill>
+                <a:latin typeface="Comic Sans MS"/>
+              </a:rPr>
+              <a:t>underneath </a:t>
+            </a:r>
+            <a:r>
+              <a:rPr lang="en-US" dirty="0">
+                <a:solidFill>
+                  <a:srgbClr val="000000"/>
+                </a:solidFill>
+                <a:latin typeface="Comic Sans MS"/>
+              </a:rPr>
+              <a:t>to the other </a:t>
+            </a:r>
+            <a:r>
+              <a:rPr lang="en-US" dirty="0" smtClean="0">
+                <a:solidFill>
+                  <a:srgbClr val="000000"/>
+                </a:solidFill>
+                <a:latin typeface="Comic Sans MS"/>
+              </a:rPr>
+              <a:t>building blocks</a:t>
+            </a:r>
+            <a:endParaRPr dirty="0"/>
           </a:p>
           <a:p>
             <a:pPr>
@@ -6083,7 +6577,7 @@
                 <a:spcPct val="100000"/>
               </a:lnSpc>
             </a:pPr>
-            <a:endParaRPr/>
+            <a:endParaRPr dirty="0"/>
           </a:p>
           <a:p>
             <a:pPr>
@@ -6092,12 +6586,12 @@
               </a:lnSpc>
             </a:pPr>
             <a:r>
-              <a:rPr lang="en-US">
+              <a:rPr lang="en-US" dirty="0">
                 <a:latin typeface="Comic Sans MS"/>
               </a:rPr>
               <a:t>When pressing the right arrow key our sprite will move 10 steps to the right</a:t>
             </a:r>
-            <a:endParaRPr/>
+            <a:endParaRPr dirty="0"/>
           </a:p>
           <a:p>
             <a:pPr>
@@ -6105,7 +6599,7 @@
                 <a:spcPct val="100000"/>
               </a:lnSpc>
             </a:pPr>
-            <a:endParaRPr/>
+            <a:endParaRPr dirty="0"/>
           </a:p>
           <a:p>
             <a:pPr>
@@ -6113,7 +6607,7 @@
                 <a:spcPct val="100000"/>
               </a:lnSpc>
             </a:pPr>
-            <a:endParaRPr/>
+            <a:endParaRPr dirty="0"/>
           </a:p>
           <a:p>
             <a:pPr>
@@ -6121,18 +6615,18 @@
                 <a:spcPct val="100000"/>
               </a:lnSpc>
             </a:pPr>
-            <a:endParaRPr/>
+            <a:endParaRPr dirty="0"/>
           </a:p>
         </p:txBody>
       </p:sp>
       <p:pic>
         <p:nvPicPr>
-          <p:cNvPr id="137" name="" descr=""/>
+          <p:cNvPr id="137" name="Picture 136"/>
           <p:cNvPicPr/>
           <p:nvPr/>
         </p:nvPicPr>
         <p:blipFill>
-          <a:blip r:embed="rId1"/>
+          <a:blip r:embed="rId2"/>
           <a:stretch>
             <a:fillRect/>
           </a:stretch>
@@ -6152,22 +6646,25 @@
       </p:pic>
     </p:spTree>
   </p:cSld>
+  <p:clrMapOvr>
+    <a:masterClrMapping/>
+  </p:clrMapOvr>
   <p:timing>
     <p:tnLst>
       <p:par>
-        <p:cTn id="11" dur="indefinite" restart="never" nodeType="tmRoot">
+        <p:cTn xmlns:p14="http://schemas.microsoft.com/office/powerpoint/2010/main" id="1" dur="indefinite" restart="never" nodeType="tmRoot">
           <p:childTnLst>
             <p:seq>
-              <p:cTn id="12" nodeType="mainSeq"/>
+              <p:cTn id="2" nodeType="mainSeq"/>
               <p:prevCondLst>
-                <p:cond delay="0" evt="onPrev">
+                <p:cond evt="onPrev" delay="0">
                   <p:tgtEl>
                     <p:sldTgt/>
                   </p:tgtEl>
                 </p:cond>
               </p:prevCondLst>
               <p:nextCondLst>
-                <p:cond delay="0" evt="onNext">
+                <p:cond evt="onNext" delay="0">
                   <p:tgtEl>
                     <p:sldTgt/>
                   </p:tgtEl>
@@ -6183,7 +6680,7 @@
 </file>
 
 <file path=ppt/slides/slide7.xml><?xml version="1.0" encoding="utf-8"?>
-<p:sld xmlns:a="http://schemas.openxmlformats.org/drawingml/2006/main" xmlns:p="http://schemas.openxmlformats.org/presentationml/2006/main" xmlns:r="http://schemas.openxmlformats.org/officeDocument/2006/relationships">
+<p:sld xmlns:a="http://schemas.openxmlformats.org/drawingml/2006/main" xmlns:r="http://schemas.openxmlformats.org/officeDocument/2006/relationships" xmlns:p="http://schemas.openxmlformats.org/presentationml/2006/main">
   <p:cSld>
     <p:spTree>
       <p:nvGrpSpPr>
@@ -6215,7 +6712,8 @@
           </a:prstGeom>
         </p:spPr>
         <p:txBody>
-          <a:bodyPr lIns="90000" rIns="90000" tIns="45000" bIns="45000"/>
+          <a:bodyPr lIns="90000" tIns="45000" rIns="90000" bIns="45000"/>
+          <a:lstStyle/>
           <a:p>
             <a:pPr>
               <a:lnSpc>
@@ -6223,15 +6721,15 @@
               </a:lnSpc>
             </a:pPr>
             <a:r>
-              <a:rPr b="1" lang="en-US" sz="4400">
-                <a:solidFill>
-                  <a:srgbClr val="f3a426"/>
+              <a:rPr lang="en-US" sz="4400" b="1" dirty="0">
+                <a:solidFill>
+                  <a:srgbClr val="F3A426"/>
                 </a:solidFill>
                 <a:latin typeface="Verdana"/>
               </a:rPr>
               <a:t>Assignment 1.6</a:t>
             </a:r>
-            <a:endParaRPr/>
+            <a:endParaRPr dirty="0"/>
           </a:p>
         </p:txBody>
       </p:sp>
@@ -6255,7 +6753,8 @@
           </a:ln>
         </p:spPr>
         <p:txBody>
-          <a:bodyPr lIns="90000" rIns="90000" tIns="45000" bIns="45000"/>
+          <a:bodyPr lIns="90000" tIns="45000" rIns="90000" bIns="45000"/>
+          <a:lstStyle/>
           <a:p>
             <a:pPr>
               <a:lnSpc>
@@ -6263,12 +6762,12 @@
               </a:lnSpc>
             </a:pPr>
             <a:r>
-              <a:rPr lang="en-US">
+              <a:rPr lang="en-US" dirty="0">
                 <a:latin typeface="Comic Sans MS"/>
               </a:rPr>
               <a:t>We also want to move the sprite to the left.</a:t>
             </a:r>
-            <a:endParaRPr/>
+            <a:endParaRPr dirty="0"/>
           </a:p>
           <a:p>
             <a:pPr>
@@ -6276,7 +6775,7 @@
                 <a:spcPct val="100000"/>
               </a:lnSpc>
             </a:pPr>
-            <a:endParaRPr/>
+            <a:endParaRPr dirty="0"/>
           </a:p>
           <a:p>
             <a:pPr>
@@ -6285,13 +6784,13 @@
               </a:lnSpc>
             </a:pPr>
             <a:r>
-              <a:rPr lang="en-US">
+              <a:rPr lang="en-US" dirty="0">
                 <a:latin typeface="Comic Sans MS"/>
               </a:rPr>
               <a:t>Open the </a:t>
             </a:r>
             <a:r>
-              <a:rPr lang="en-US">
+              <a:rPr lang="en-US" dirty="0">
                 <a:solidFill>
                   <a:srgbClr val="000000"/>
                 </a:solidFill>
@@ -6300,24 +6799,33 @@
               <a:t>‘</a:t>
             </a:r>
             <a:r>
-              <a:rPr lang="en-US">
-                <a:solidFill>
-                  <a:srgbClr val="bc711c"/>
+              <a:rPr lang="en-US" dirty="0">
+                <a:solidFill>
+                  <a:srgbClr val="BC711C"/>
                 </a:solidFill>
                 <a:latin typeface="Comic Sans MS"/>
               </a:rPr>
               <a:t>Events</a:t>
             </a:r>
             <a:r>
-              <a:rPr lang="en-US">
+              <a:rPr lang="en-US" dirty="0">
                 <a:solidFill>
                   <a:srgbClr val="000000"/>
                 </a:solidFill>
                 <a:latin typeface="Comic Sans MS"/>
               </a:rPr>
-              <a:t>’ buildingblocks.</a:t>
-            </a:r>
-            <a:endParaRPr/>
+              <a:t>’ </a:t>
+            </a:r>
+            <a:r>
+              <a:rPr lang="en-US" dirty="0" smtClean="0">
+                <a:solidFill>
+                  <a:srgbClr val="000000"/>
+                </a:solidFill>
+                <a:latin typeface="Comic Sans MS"/>
+              </a:rPr>
+              <a:t>building blocks.</a:t>
+            </a:r>
+            <a:endParaRPr dirty="0"/>
           </a:p>
           <a:p>
             <a:pPr>
@@ -6325,7 +6833,7 @@
                 <a:spcPct val="100000"/>
               </a:lnSpc>
             </a:pPr>
-            <a:endParaRPr/>
+            <a:endParaRPr dirty="0"/>
           </a:p>
           <a:p>
             <a:pPr>
@@ -6334,7 +6842,7 @@
               </a:lnSpc>
             </a:pPr>
             <a:r>
-              <a:rPr lang="en-US">
+              <a:rPr lang="en-US" dirty="0">
                 <a:solidFill>
                   <a:srgbClr val="000000"/>
                 </a:solidFill>
@@ -6343,24 +6851,42 @@
               <a:t>Drag the ‘</a:t>
             </a:r>
             <a:r>
-              <a:rPr lang="en-US">
-                <a:solidFill>
-                  <a:srgbClr val="bc711c"/>
+              <a:rPr lang="en-US" dirty="0">
+                <a:solidFill>
+                  <a:srgbClr val="BC711C"/>
                 </a:solidFill>
                 <a:latin typeface="Comic Sans MS"/>
               </a:rPr>
               <a:t>when space key pressed</a:t>
             </a:r>
             <a:r>
-              <a:rPr lang="en-US">
+              <a:rPr lang="en-US" dirty="0">
                 <a:solidFill>
                   <a:srgbClr val="000000"/>
                 </a:solidFill>
                 <a:latin typeface="Comic Sans MS"/>
               </a:rPr>
-              <a:t>’ buildingblock to the script area.</a:t>
-            </a:r>
-            <a:endParaRPr/>
+              <a:t>’ </a:t>
+            </a:r>
+            <a:r>
+              <a:rPr lang="en-US" dirty="0" smtClean="0">
+                <a:solidFill>
+                  <a:srgbClr val="000000"/>
+                </a:solidFill>
+                <a:latin typeface="Comic Sans MS"/>
+              </a:rPr>
+              <a:t>building block </a:t>
+            </a:r>
+            <a:r>
+              <a:rPr lang="en-US" dirty="0">
+                <a:solidFill>
+                  <a:srgbClr val="000000"/>
+                </a:solidFill>
+                <a:latin typeface="Comic Sans MS"/>
+              </a:rPr>
+              <a:t>to the script area.</a:t>
+            </a:r>
+            <a:endParaRPr dirty="0"/>
           </a:p>
           <a:p>
             <a:pPr>
@@ -6368,7 +6894,7 @@
                 <a:spcPct val="100000"/>
               </a:lnSpc>
             </a:pPr>
-            <a:endParaRPr/>
+            <a:endParaRPr dirty="0"/>
           </a:p>
           <a:p>
             <a:pPr>
@@ -6377,7 +6903,7 @@
               </a:lnSpc>
             </a:pPr>
             <a:r>
-              <a:rPr lang="en-US">
+              <a:rPr lang="en-US" dirty="0">
                 <a:solidFill>
                   <a:srgbClr val="000000"/>
                 </a:solidFill>
@@ -6385,7 +6911,7 @@
               </a:rPr>
               <a:t>Click on 'space' and choose 'right arrow'</a:t>
             </a:r>
-            <a:endParaRPr/>
+            <a:endParaRPr dirty="0"/>
           </a:p>
           <a:p>
             <a:pPr>
@@ -6393,7 +6919,7 @@
                 <a:spcPct val="100000"/>
               </a:lnSpc>
             </a:pPr>
-            <a:endParaRPr/>
+            <a:endParaRPr dirty="0"/>
           </a:p>
           <a:p>
             <a:pPr>
@@ -6401,7 +6927,7 @@
                 <a:spcPct val="100000"/>
               </a:lnSpc>
             </a:pPr>
-            <a:endParaRPr/>
+            <a:endParaRPr dirty="0"/>
           </a:p>
           <a:p>
             <a:pPr>
@@ -6409,18 +6935,18 @@
                 <a:spcPct val="100000"/>
               </a:lnSpc>
             </a:pPr>
-            <a:endParaRPr/>
+            <a:endParaRPr dirty="0"/>
           </a:p>
         </p:txBody>
       </p:sp>
       <p:pic>
         <p:nvPicPr>
-          <p:cNvPr id="140" name="" descr=""/>
+          <p:cNvPr id="140" name="Picture 139"/>
           <p:cNvPicPr/>
           <p:nvPr/>
         </p:nvPicPr>
         <p:blipFill>
-          <a:blip r:embed="rId1"/>
+          <a:blip r:embed="rId2"/>
           <a:stretch>
             <a:fillRect/>
           </a:stretch>
@@ -6440,22 +6966,25 @@
       </p:pic>
     </p:spTree>
   </p:cSld>
+  <p:clrMapOvr>
+    <a:masterClrMapping/>
+  </p:clrMapOvr>
   <p:timing>
     <p:tnLst>
       <p:par>
-        <p:cTn id="13" dur="indefinite" restart="never" nodeType="tmRoot">
+        <p:cTn xmlns:p14="http://schemas.microsoft.com/office/powerpoint/2010/main" id="1" dur="indefinite" restart="never" nodeType="tmRoot">
           <p:childTnLst>
             <p:seq>
-              <p:cTn id="14" nodeType="mainSeq"/>
+              <p:cTn id="2" nodeType="mainSeq"/>
               <p:prevCondLst>
-                <p:cond delay="0" evt="onPrev">
+                <p:cond evt="onPrev" delay="0">
                   <p:tgtEl>
                     <p:sldTgt/>
                   </p:tgtEl>
                 </p:cond>
               </p:prevCondLst>
               <p:nextCondLst>
-                <p:cond delay="0" evt="onNext">
+                <p:cond evt="onNext" delay="0">
                   <p:tgtEl>
                     <p:sldTgt/>
                   </p:tgtEl>
@@ -6471,7 +7000,7 @@
 </file>
 
 <file path=ppt/slides/slide8.xml><?xml version="1.0" encoding="utf-8"?>
-<p:sld xmlns:a="http://schemas.openxmlformats.org/drawingml/2006/main" xmlns:p="http://schemas.openxmlformats.org/presentationml/2006/main" xmlns:r="http://schemas.openxmlformats.org/officeDocument/2006/relationships">
+<p:sld xmlns:a="http://schemas.openxmlformats.org/drawingml/2006/main" xmlns:r="http://schemas.openxmlformats.org/officeDocument/2006/relationships" xmlns:p="http://schemas.openxmlformats.org/presentationml/2006/main">
   <p:cSld>
     <p:spTree>
       <p:nvGrpSpPr>
@@ -6503,7 +7032,8 @@
           </a:prstGeom>
         </p:spPr>
         <p:txBody>
-          <a:bodyPr lIns="90000" rIns="90000" tIns="45000" bIns="45000"/>
+          <a:bodyPr lIns="90000" tIns="45000" rIns="90000" bIns="45000"/>
+          <a:lstStyle/>
           <a:p>
             <a:pPr>
               <a:lnSpc>
@@ -6511,15 +7041,15 @@
               </a:lnSpc>
             </a:pPr>
             <a:r>
-              <a:rPr b="1" lang="en-US" sz="4400">
-                <a:solidFill>
-                  <a:srgbClr val="f3a426"/>
+              <a:rPr lang="en-US" sz="4400" b="1" dirty="0">
+                <a:solidFill>
+                  <a:srgbClr val="F3A426"/>
                 </a:solidFill>
                 <a:latin typeface="Verdana"/>
               </a:rPr>
               <a:t>Assignment 1.7</a:t>
             </a:r>
-            <a:endParaRPr/>
+            <a:endParaRPr dirty="0"/>
           </a:p>
         </p:txBody>
       </p:sp>
@@ -6532,7 +7062,7 @@
         <p:spPr>
           <a:xfrm>
             <a:off x="272160" y="1457640"/>
-            <a:ext cx="3096000" cy="4753080"/>
+            <a:ext cx="3096000" cy="4577884"/>
           </a:xfrm>
           <a:prstGeom prst="rect">
             <a:avLst/>
@@ -6543,7 +7073,8 @@
           </a:ln>
         </p:spPr>
         <p:txBody>
-          <a:bodyPr lIns="90000" rIns="90000" tIns="45000" bIns="45000"/>
+          <a:bodyPr lIns="90000" tIns="45000" rIns="90000" bIns="45000"/>
+          <a:lstStyle/>
           <a:p>
             <a:pPr>
               <a:lnSpc>
@@ -6551,33 +7082,42 @@
               </a:lnSpc>
             </a:pPr>
             <a:r>
-              <a:rPr lang="en-US">
+              <a:rPr lang="en-US" dirty="0">
                 <a:solidFill>
                   <a:srgbClr val="000000"/>
                 </a:solidFill>
                 <a:latin typeface="Comic Sans MS"/>
               </a:rPr>
-              <a:t>Open the ‘</a:t>
-            </a:r>
-            <a:r>
-              <a:rPr lang="en-US">
-                <a:solidFill>
-                  <a:srgbClr val="3750ce"/>
+              <a:t>Open the </a:t>
+            </a:r>
+            <a:r>
+              <a:rPr lang="en-US" dirty="0" smtClean="0">
+                <a:solidFill>
+                  <a:srgbClr val="000000"/>
                 </a:solidFill>
                 <a:latin typeface="Comic Sans MS"/>
               </a:rPr>
-              <a:t>Movion</a:t>
-            </a:r>
-            <a:r>
-              <a:rPr lang="en-US">
+              <a:t>‘</a:t>
+            </a:r>
+            <a:r>
+              <a:rPr lang="en-US" dirty="0" smtClean="0">
+                <a:solidFill>
+                  <a:srgbClr val="3750CE"/>
+                </a:solidFill>
+                <a:latin typeface="Comic Sans MS"/>
+              </a:rPr>
+              <a:t>Motion</a:t>
+            </a:r>
+            <a:r>
+              <a:rPr lang="en-US" dirty="0" smtClean="0">
                 <a:solidFill>
                   <a:srgbClr val="000000"/>
                 </a:solidFill>
                 <a:latin typeface="Comic Sans MS"/>
               </a:rPr>
-              <a:t>’ buildingblocks</a:t>
-            </a:r>
-            <a:endParaRPr/>
+              <a:t>’ building blocks</a:t>
+            </a:r>
+            <a:endParaRPr dirty="0"/>
           </a:p>
           <a:p>
             <a:pPr>
@@ -6585,7 +7125,7 @@
                 <a:spcPct val="100000"/>
               </a:lnSpc>
             </a:pPr>
-            <a:endParaRPr/>
+            <a:endParaRPr dirty="0"/>
           </a:p>
           <a:p>
             <a:pPr>
@@ -6594,7 +7134,7 @@
               </a:lnSpc>
             </a:pPr>
             <a:r>
-              <a:rPr lang="en-US">
+              <a:rPr lang="en-US" dirty="0">
                 <a:solidFill>
                   <a:srgbClr val="000000"/>
                 </a:solidFill>
@@ -6603,24 +7143,51 @@
               <a:t>Drag the ‘</a:t>
             </a:r>
             <a:r>
-              <a:rPr lang="en-US">
-                <a:solidFill>
-                  <a:srgbClr val="3750ce"/>
+              <a:rPr lang="en-US" dirty="0">
+                <a:solidFill>
+                  <a:srgbClr val="3750CE"/>
                 </a:solidFill>
                 <a:latin typeface="Comic Sans MS"/>
               </a:rPr>
               <a:t>point in direction 90</a:t>
             </a:r>
             <a:r>
-              <a:rPr lang="en-US">
+              <a:rPr lang="en-US" dirty="0">
                 <a:solidFill>
                   <a:srgbClr val="000000"/>
                 </a:solidFill>
                 <a:latin typeface="Comic Sans MS"/>
               </a:rPr>
-              <a:t>’ on the script area and attach it to the other buildingblock.</a:t>
-            </a:r>
-            <a:endParaRPr/>
+              <a:t>’ on the script area and attach </a:t>
+            </a:r>
+            <a:r>
+              <a:rPr lang="en-US" dirty="0" smtClean="0">
+                <a:solidFill>
+                  <a:srgbClr val="000000"/>
+                </a:solidFill>
+                <a:latin typeface="Comic Sans MS"/>
+              </a:rPr>
+              <a:t>underneath </a:t>
+            </a:r>
+            <a:r>
+              <a:rPr lang="en-US" dirty="0">
+                <a:solidFill>
+                  <a:srgbClr val="000000"/>
+                </a:solidFill>
+                <a:latin typeface="Comic Sans MS"/>
+              </a:rPr>
+              <a:t>to the other </a:t>
+            </a:r>
+            <a:r>
+              <a:rPr lang="en-US" dirty="0" smtClean="0">
+                <a:solidFill>
+                  <a:srgbClr val="000000"/>
+                </a:solidFill>
+                <a:latin typeface="Comic Sans MS"/>
+              </a:rPr>
+              <a:t>building block.</a:t>
+            </a:r>
+            <a:endParaRPr dirty="0"/>
           </a:p>
           <a:p>
             <a:pPr>
@@ -6628,7 +7195,7 @@
                 <a:spcPct val="100000"/>
               </a:lnSpc>
             </a:pPr>
-            <a:endParaRPr/>
+            <a:endParaRPr dirty="0"/>
           </a:p>
           <a:p>
             <a:pPr>
@@ -6637,7 +7204,7 @@
               </a:lnSpc>
             </a:pPr>
             <a:r>
-              <a:rPr lang="en-US">
+              <a:rPr lang="en-US" dirty="0">
                 <a:solidFill>
                   <a:srgbClr val="000000"/>
                 </a:solidFill>
@@ -6645,7 +7212,7 @@
               </a:rPr>
               <a:t>Click on '90' and select </a:t>
             </a:r>
-            <a:endParaRPr/>
+            <a:endParaRPr dirty="0"/>
           </a:p>
           <a:p>
             <a:pPr>
@@ -6654,15 +7221,33 @@
               </a:lnSpc>
             </a:pPr>
             <a:r>
+              <a:rPr lang="en-US" dirty="0">
+                <a:solidFill>
+                  <a:srgbClr val="000000"/>
+                </a:solidFill>
+                <a:latin typeface="Comic Sans MS"/>
+              </a:rPr>
+              <a:t>'(-90</a:t>
+            </a:r>
+            <a:r>
               <a:rPr lang="en-US">
                 <a:solidFill>
                   <a:srgbClr val="000000"/>
                 </a:solidFill>
                 <a:latin typeface="Comic Sans MS"/>
               </a:rPr>
-              <a:t>'(-90) links'</a:t>
-            </a:r>
-            <a:endParaRPr/>
+              <a:t>) </a:t>
+            </a:r>
+            <a:r>
+              <a:rPr lang="en-US" smtClean="0">
+                <a:solidFill>
+                  <a:srgbClr val="000000"/>
+                </a:solidFill>
+                <a:latin typeface="Comic Sans MS"/>
+              </a:rPr>
+              <a:t>left'</a:t>
+            </a:r>
+            <a:endParaRPr dirty="0"/>
           </a:p>
           <a:p>
             <a:pPr>
@@ -6670,7 +7255,7 @@
                 <a:spcPct val="100000"/>
               </a:lnSpc>
             </a:pPr>
-            <a:endParaRPr/>
+            <a:endParaRPr dirty="0"/>
           </a:p>
           <a:p>
             <a:pPr>
@@ -6679,7 +7264,7 @@
               </a:lnSpc>
             </a:pPr>
             <a:r>
-              <a:rPr lang="en-US">
+              <a:rPr lang="en-US" dirty="0">
                 <a:solidFill>
                   <a:srgbClr val="000000"/>
                 </a:solidFill>
@@ -6688,24 +7273,69 @@
               <a:t>Drag the ‘</a:t>
             </a:r>
             <a:r>
-              <a:rPr lang="en-US">
-                <a:solidFill>
-                  <a:srgbClr val="3750ce"/>
+              <a:rPr lang="en-US" dirty="0">
+                <a:solidFill>
+                  <a:srgbClr val="3750CE"/>
                 </a:solidFill>
                 <a:latin typeface="Comic Sans MS"/>
               </a:rPr>
               <a:t>move 10 steps</a:t>
             </a:r>
             <a:r>
-              <a:rPr lang="en-US">
+              <a:rPr lang="en-US" dirty="0">
                 <a:solidFill>
                   <a:srgbClr val="000000"/>
                 </a:solidFill>
                 <a:latin typeface="Comic Sans MS"/>
               </a:rPr>
-              <a:t>’ buildingblock on the script area and attach it to the other buildingblocks</a:t>
-            </a:r>
-            <a:endParaRPr/>
+              <a:t>’ </a:t>
+            </a:r>
+            <a:r>
+              <a:rPr lang="en-US" dirty="0" smtClean="0">
+                <a:solidFill>
+                  <a:srgbClr val="000000"/>
+                </a:solidFill>
+                <a:latin typeface="Comic Sans MS"/>
+              </a:rPr>
+              <a:t>building block </a:t>
+            </a:r>
+            <a:r>
+              <a:rPr lang="en-US" dirty="0">
+                <a:solidFill>
+                  <a:srgbClr val="000000"/>
+                </a:solidFill>
+                <a:latin typeface="Comic Sans MS"/>
+              </a:rPr>
+              <a:t>on the script area and attach </a:t>
+            </a:r>
+            <a:r>
+              <a:rPr lang="en-US" dirty="0" smtClean="0">
+                <a:solidFill>
+                  <a:srgbClr val="000000"/>
+                </a:solidFill>
+                <a:latin typeface="Comic Sans MS"/>
+              </a:rPr>
+              <a:t>underneath </a:t>
+            </a:r>
+            <a:r>
+              <a:rPr lang="en-US" dirty="0">
+                <a:solidFill>
+                  <a:srgbClr val="000000"/>
+                </a:solidFill>
+                <a:latin typeface="Comic Sans MS"/>
+              </a:rPr>
+              <a:t>to the other </a:t>
+            </a:r>
+            <a:r>
+              <a:rPr lang="en-US" dirty="0" smtClean="0">
+                <a:solidFill>
+                  <a:srgbClr val="000000"/>
+                </a:solidFill>
+                <a:latin typeface="Comic Sans MS"/>
+              </a:rPr>
+              <a:t>building blocks</a:t>
+            </a:r>
+            <a:endParaRPr dirty="0"/>
           </a:p>
           <a:p>
             <a:pPr>
@@ -6713,7 +7343,7 @@
                 <a:spcPct val="100000"/>
               </a:lnSpc>
             </a:pPr>
-            <a:endParaRPr/>
+            <a:endParaRPr dirty="0"/>
           </a:p>
           <a:p>
             <a:pPr>
@@ -6721,18 +7351,18 @@
                 <a:spcPct val="100000"/>
               </a:lnSpc>
             </a:pPr>
-            <a:endParaRPr/>
+            <a:endParaRPr dirty="0"/>
           </a:p>
         </p:txBody>
       </p:sp>
       <p:pic>
         <p:nvPicPr>
-          <p:cNvPr id="143" name="" descr=""/>
+          <p:cNvPr id="143" name="Picture 142"/>
           <p:cNvPicPr/>
           <p:nvPr/>
         </p:nvPicPr>
         <p:blipFill>
-          <a:blip r:embed="rId1"/>
+          <a:blip r:embed="rId2"/>
           <a:stretch>
             <a:fillRect/>
           </a:stretch>
@@ -6752,22 +7382,25 @@
       </p:pic>
     </p:spTree>
   </p:cSld>
+  <p:clrMapOvr>
+    <a:masterClrMapping/>
+  </p:clrMapOvr>
   <p:timing>
     <p:tnLst>
       <p:par>
-        <p:cTn id="15" dur="indefinite" restart="never" nodeType="tmRoot">
+        <p:cTn xmlns:p14="http://schemas.microsoft.com/office/powerpoint/2010/main" id="1" dur="indefinite" restart="never" nodeType="tmRoot">
           <p:childTnLst>
             <p:seq>
-              <p:cTn id="16" nodeType="mainSeq"/>
+              <p:cTn id="2" nodeType="mainSeq"/>
               <p:prevCondLst>
-                <p:cond delay="0" evt="onPrev">
+                <p:cond evt="onPrev" delay="0">
                   <p:tgtEl>
                     <p:sldTgt/>
                   </p:tgtEl>
                 </p:cond>
               </p:prevCondLst>
               <p:nextCondLst>
-                <p:cond delay="0" evt="onNext">
+                <p:cond evt="onNext" delay="0">
                   <p:tgtEl>
                     <p:sldTgt/>
                   </p:tgtEl>
@@ -6783,7 +7416,7 @@
 </file>
 
 <file path=ppt/slides/slide9.xml><?xml version="1.0" encoding="utf-8"?>
-<p:sld xmlns:a="http://schemas.openxmlformats.org/drawingml/2006/main" xmlns:p="http://schemas.openxmlformats.org/presentationml/2006/main" xmlns:r="http://schemas.openxmlformats.org/officeDocument/2006/relationships">
+<p:sld xmlns:a="http://schemas.openxmlformats.org/drawingml/2006/main" xmlns:r="http://schemas.openxmlformats.org/officeDocument/2006/relationships" xmlns:p="http://schemas.openxmlformats.org/presentationml/2006/main">
   <p:cSld>
     <p:spTree>
       <p:nvGrpSpPr>
@@ -6815,7 +7448,8 @@
           </a:prstGeom>
         </p:spPr>
         <p:txBody>
-          <a:bodyPr lIns="90000" rIns="90000" tIns="45000" bIns="45000"/>
+          <a:bodyPr lIns="90000" tIns="45000" rIns="90000" bIns="45000"/>
+          <a:lstStyle/>
           <a:p>
             <a:pPr>
               <a:lnSpc>
@@ -6823,15 +7457,15 @@
               </a:lnSpc>
             </a:pPr>
             <a:r>
-              <a:rPr b="1" lang="en-US" sz="4400">
-                <a:solidFill>
-                  <a:srgbClr val="f3a426"/>
+              <a:rPr lang="en-US" sz="4400" b="1" dirty="0">
+                <a:solidFill>
+                  <a:srgbClr val="F3A426"/>
                 </a:solidFill>
                 <a:latin typeface="Verdana"/>
               </a:rPr>
               <a:t>Assignment 1.8</a:t>
             </a:r>
-            <a:endParaRPr/>
+            <a:endParaRPr dirty="0"/>
           </a:p>
         </p:txBody>
       </p:sp>
@@ -6855,7 +7489,8 @@
           </a:ln>
         </p:spPr>
         <p:txBody>
-          <a:bodyPr lIns="90000" rIns="90000" tIns="45000" bIns="45000"/>
+          <a:bodyPr lIns="90000" tIns="45000" rIns="90000" bIns="45000"/>
+          <a:lstStyle/>
           <a:p>
             <a:pPr>
               <a:lnSpc>
@@ -6863,7 +7498,7 @@
               </a:lnSpc>
             </a:pPr>
             <a:r>
-              <a:rPr lang="en-US">
+              <a:rPr lang="en-US" dirty="0">
                 <a:solidFill>
                   <a:srgbClr val="000000"/>
                 </a:solidFill>
@@ -6871,7 +7506,7 @@
               </a:rPr>
               <a:t>Now we need to make sure the sprite is turning correct.</a:t>
             </a:r>
-            <a:endParaRPr/>
+            <a:endParaRPr dirty="0"/>
           </a:p>
           <a:p>
             <a:pPr>
@@ -6888,7 +7523,7 @@
               </a:lnSpc>
             </a:pPr>
             <a:r>
-              <a:rPr lang="en-US">
+              <a:rPr lang="en-US" dirty="0">
                 <a:solidFill>
                   <a:srgbClr val="000000"/>
                 </a:solidFill>
@@ -6896,18 +7531,18 @@
               </a:rPr>
               <a:t>Click the blue 'I' icon at the top left of the sprite in the sprite area.</a:t>
             </a:r>
-            <a:endParaRPr/>
+            <a:endParaRPr dirty="0"/>
           </a:p>
         </p:txBody>
       </p:sp>
       <p:pic>
         <p:nvPicPr>
-          <p:cNvPr id="146" name="" descr=""/>
+          <p:cNvPr id="146" name="Picture 145"/>
           <p:cNvPicPr/>
           <p:nvPr/>
         </p:nvPicPr>
         <p:blipFill>
-          <a:blip r:embed="rId1"/>
+          <a:blip r:embed="rId2"/>
           <a:stretch>
             <a:fillRect/>
           </a:stretch>
@@ -6927,22 +7562,25 @@
       </p:pic>
     </p:spTree>
   </p:cSld>
+  <p:clrMapOvr>
+    <a:masterClrMapping/>
+  </p:clrMapOvr>
   <p:timing>
     <p:tnLst>
       <p:par>
-        <p:cTn id="17" dur="indefinite" restart="never" nodeType="tmRoot">
+        <p:cTn xmlns:p14="http://schemas.microsoft.com/office/powerpoint/2010/main" id="1" dur="indefinite" restart="never" nodeType="tmRoot">
           <p:childTnLst>
             <p:seq>
-              <p:cTn id="18" nodeType="mainSeq"/>
+              <p:cTn id="2" nodeType="mainSeq"/>
               <p:prevCondLst>
-                <p:cond delay="0" evt="onPrev">
+                <p:cond evt="onPrev" delay="0">
                   <p:tgtEl>
                     <p:sldTgt/>
                   </p:tgtEl>
                 </p:cond>
               </p:prevCondLst>
               <p:nextCondLst>
-                <p:cond delay="0" evt="onNext">
+                <p:cond evt="onNext" delay="0">
                   <p:tgtEl>
                     <p:sldTgt/>
                   </p:tgtEl>
@@ -7177,6 +7815,8 @@
       </a:bgFillStyleLst>
     </a:fmtScheme>
   </a:themeElements>
+  <a:objectDefaults/>
+  <a:extraClrSchemeLst/>
 </a:theme>
 </file>
 
@@ -7400,6 +8040,8 @@
       </a:bgFillStyleLst>
     </a:fmtScheme>
   </a:themeElements>
+  <a:objectDefaults/>
+  <a:extraClrSchemeLst/>
 </a:theme>
 </file>
 
@@ -7623,5 +8265,7 @@
       </a:bgFillStyleLst>
     </a:fmtScheme>
   </a:themeElements>
+  <a:objectDefaults/>
+  <a:extraClrSchemeLst/>
 </a:theme>
 </file>